--- a/图.pptx
+++ b/图.pptx
@@ -5,10 +5,26 @@
     <p:sldMasterId id="2147483648" r:id="rId1"/>
   </p:sldMasterIdLst>
   <p:notesMasterIdLst>
-    <p:notesMasterId r:id="rId3"/>
+    <p:notesMasterId r:id="rId19"/>
   </p:notesMasterIdLst>
   <p:sldIdLst>
     <p:sldId id="256" r:id="rId2"/>
+    <p:sldId id="257" r:id="rId3"/>
+    <p:sldId id="258" r:id="rId4"/>
+    <p:sldId id="259" r:id="rId5"/>
+    <p:sldId id="260" r:id="rId6"/>
+    <p:sldId id="261" r:id="rId7"/>
+    <p:sldId id="262" r:id="rId8"/>
+    <p:sldId id="263" r:id="rId9"/>
+    <p:sldId id="264" r:id="rId10"/>
+    <p:sldId id="265" r:id="rId11"/>
+    <p:sldId id="266" r:id="rId12"/>
+    <p:sldId id="267" r:id="rId13"/>
+    <p:sldId id="268" r:id="rId14"/>
+    <p:sldId id="269" r:id="rId15"/>
+    <p:sldId id="270" r:id="rId16"/>
+    <p:sldId id="271" r:id="rId17"/>
+    <p:sldId id="272" r:id="rId18"/>
   </p:sldIdLst>
   <p:sldSz cx="12192000" cy="6858000"/>
   <p:notesSz cx="6858000" cy="9144000"/>
@@ -107,7 +123,16 @@
       </a:defRPr>
     </a:lvl9pPr>
   </p:defaultTextStyle>
+  <p:extLst>
+    <p:ext uri="{EFAFB233-063F-42B5-8137-9DF3F51BA10A}">
+      <p15:sldGuideLst xmlns:p15="http://schemas.microsoft.com/office/powerpoint/2012/main"/>
+    </p:ext>
+  </p:extLst>
 </p:presentation>
+</file>
+
+<file path=ppt/revisionInfo.xml><?xml version="1.0" encoding="utf-8"?>
+<p1510:revInfo xmlns:a="http://schemas.openxmlformats.org/drawingml/2006/main" xmlns:r="http://schemas.openxmlformats.org/officeDocument/2006/relationships" xmlns:p1510="http://schemas.microsoft.com/office/powerpoint/2015/10/main"/>
 </file>
 
 <file path=ppt/notesMasters/notesMaster1.xml><?xml version="1.0" encoding="utf-8"?>
@@ -192,7 +217,7 @@
           <a:p>
             <a:fld id="{A6309726-1F48-44A9-A3D3-74813838CFF6}" type="datetimeFigureOut">
               <a:rPr lang="zh-CN" altLang="en-US" smtClean="0"/>
-              <a:t>2017/7/23</a:t>
+              <a:t>2017/7/25</a:t>
             </a:fld>
             <a:endParaRPr lang="zh-CN" altLang="en-US"/>
           </a:p>
@@ -256,38 +281,37 @@
           <a:p>
             <a:pPr lvl="0"/>
             <a:r>
-              <a:rPr lang="zh-CN" altLang="en-US" smtClean="0"/>
+              <a:rPr lang="zh-CN" altLang="en-US"/>
               <a:t>编辑母版文本样式</a:t>
             </a:r>
           </a:p>
           <a:p>
             <a:pPr lvl="1"/>
             <a:r>
-              <a:rPr lang="zh-CN" altLang="en-US" smtClean="0"/>
+              <a:rPr lang="zh-CN" altLang="en-US"/>
               <a:t>第二级</a:t>
             </a:r>
           </a:p>
           <a:p>
             <a:pPr lvl="2"/>
             <a:r>
-              <a:rPr lang="zh-CN" altLang="en-US" smtClean="0"/>
+              <a:rPr lang="zh-CN" altLang="en-US"/>
               <a:t>第三级</a:t>
             </a:r>
           </a:p>
           <a:p>
             <a:pPr lvl="3"/>
             <a:r>
-              <a:rPr lang="zh-CN" altLang="en-US" smtClean="0"/>
+              <a:rPr lang="zh-CN" altLang="en-US"/>
               <a:t>第四级</a:t>
             </a:r>
           </a:p>
           <a:p>
             <a:pPr lvl="4"/>
             <a:r>
-              <a:rPr lang="zh-CN" altLang="en-US" smtClean="0"/>
+              <a:rPr lang="zh-CN" altLang="en-US"/>
               <a:t>第五级</a:t>
             </a:r>
-            <a:endParaRPr lang="zh-CN" altLang="en-US"/>
           </a:p>
         </p:txBody>
       </p:sp>
@@ -505,11 +529,11 @@
           <a:lstStyle/>
           <a:p>
             <a:r>
-              <a:rPr lang="zh-CN" altLang="en-US" dirty="0" smtClean="0"/>
+              <a:rPr lang="zh-CN" altLang="en-US" dirty="0"/>
               <a:t>徐家汇辐射范围（康帕斯法则）</a:t>
             </a:r>
             <a:r>
-              <a:rPr lang="en-GB" altLang="zh-CN" smtClean="0"/>
+              <a:rPr lang="en-GB" altLang="zh-CN"/>
               <a:t>http://wiki.mbalib.com/wiki/%E5%BA%B7%E5%B8%95%E6%96%AF%E6%B3%95%E5%88%99</a:t>
             </a:r>
             <a:endParaRPr lang="zh-CN" altLang="en-US" dirty="0"/>
@@ -543,6 +567,180 @@
     <p:extLst>
       <p:ext uri="{BB962C8B-B14F-4D97-AF65-F5344CB8AC3E}">
         <p14:creationId xmlns:p14="http://schemas.microsoft.com/office/powerpoint/2010/main" val="1450076507"/>
+      </p:ext>
+    </p:extLst>
+  </p:cSld>
+  <p:clrMapOvr>
+    <a:masterClrMapping/>
+  </p:clrMapOvr>
+</p:notes>
+</file>
+
+<file path=ppt/notesSlides/notesSlide2.xml><?xml version="1.0" encoding="utf-8"?>
+<p:notes xmlns:a="http://schemas.openxmlformats.org/drawingml/2006/main" xmlns:r="http://schemas.openxmlformats.org/officeDocument/2006/relationships" xmlns:p="http://schemas.openxmlformats.org/presentationml/2006/main">
+  <p:cSld>
+    <p:spTree>
+      <p:nvGrpSpPr>
+        <p:cNvPr id="1" name=""/>
+        <p:cNvGrpSpPr/>
+        <p:nvPr/>
+      </p:nvGrpSpPr>
+      <p:grpSpPr>
+        <a:xfrm>
+          <a:off x="0" y="0"/>
+          <a:ext cx="0" cy="0"/>
+          <a:chOff x="0" y="0"/>
+          <a:chExt cx="0" cy="0"/>
+        </a:xfrm>
+      </p:grpSpPr>
+      <p:sp>
+        <p:nvSpPr>
+          <p:cNvPr id="2" name="幻灯片图像占位符 1"/>
+          <p:cNvSpPr>
+            <a:spLocks noGrp="1" noRot="1" noChangeAspect="1"/>
+          </p:cNvSpPr>
+          <p:nvPr>
+            <p:ph type="sldImg"/>
+          </p:nvPr>
+        </p:nvSpPr>
+        <p:spPr/>
+      </p:sp>
+      <p:sp>
+        <p:nvSpPr>
+          <p:cNvPr id="3" name="备注占位符 2"/>
+          <p:cNvSpPr>
+            <a:spLocks noGrp="1"/>
+          </p:cNvSpPr>
+          <p:nvPr>
+            <p:ph type="body" idx="1"/>
+          </p:nvPr>
+        </p:nvSpPr>
+        <p:spPr/>
+        <p:txBody>
+          <a:bodyPr/>
+          <a:lstStyle/>
+          <a:p>
+            <a:r>
+              <a:rPr lang="zh-CN" altLang="en-US" dirty="0"/>
+              <a:t>徐家汇</a:t>
+            </a:r>
+          </a:p>
+        </p:txBody>
+      </p:sp>
+      <p:sp>
+        <p:nvSpPr>
+          <p:cNvPr id="4" name="灯片编号占位符 3"/>
+          <p:cNvSpPr>
+            <a:spLocks noGrp="1"/>
+          </p:cNvSpPr>
+          <p:nvPr>
+            <p:ph type="sldNum" sz="quarter" idx="10"/>
+          </p:nvPr>
+        </p:nvSpPr>
+        <p:spPr/>
+        <p:txBody>
+          <a:bodyPr/>
+          <a:lstStyle/>
+          <a:p>
+            <a:fld id="{01FAE69D-BB1F-42B2-8980-BF3D3F846561}" type="slidenum">
+              <a:rPr lang="zh-CN" altLang="en-US" smtClean="0"/>
+              <a:t>2</a:t>
+            </a:fld>
+            <a:endParaRPr lang="zh-CN" altLang="en-US"/>
+          </a:p>
+        </p:txBody>
+      </p:sp>
+    </p:spTree>
+    <p:extLst>
+      <p:ext uri="{BB962C8B-B14F-4D97-AF65-F5344CB8AC3E}">
+        <p14:creationId xmlns:p14="http://schemas.microsoft.com/office/powerpoint/2010/main" val="994691329"/>
+      </p:ext>
+    </p:extLst>
+  </p:cSld>
+  <p:clrMapOvr>
+    <a:masterClrMapping/>
+  </p:clrMapOvr>
+</p:notes>
+</file>
+
+<file path=ppt/notesSlides/notesSlide3.xml><?xml version="1.0" encoding="utf-8"?>
+<p:notes xmlns:a="http://schemas.openxmlformats.org/drawingml/2006/main" xmlns:r="http://schemas.openxmlformats.org/officeDocument/2006/relationships" xmlns:p="http://schemas.openxmlformats.org/presentationml/2006/main">
+  <p:cSld>
+    <p:spTree>
+      <p:nvGrpSpPr>
+        <p:cNvPr id="1" name=""/>
+        <p:cNvGrpSpPr/>
+        <p:nvPr/>
+      </p:nvGrpSpPr>
+      <p:grpSpPr>
+        <a:xfrm>
+          <a:off x="0" y="0"/>
+          <a:ext cx="0" cy="0"/>
+          <a:chOff x="0" y="0"/>
+          <a:chExt cx="0" cy="0"/>
+        </a:xfrm>
+      </p:grpSpPr>
+      <p:sp>
+        <p:nvSpPr>
+          <p:cNvPr id="2" name="幻灯片图像占位符 1"/>
+          <p:cNvSpPr>
+            <a:spLocks noGrp="1" noRot="1" noChangeAspect="1"/>
+          </p:cNvSpPr>
+          <p:nvPr>
+            <p:ph type="sldImg"/>
+          </p:nvPr>
+        </p:nvSpPr>
+        <p:spPr/>
+      </p:sp>
+      <p:sp>
+        <p:nvSpPr>
+          <p:cNvPr id="3" name="备注占位符 2"/>
+          <p:cNvSpPr>
+            <a:spLocks noGrp="1"/>
+          </p:cNvSpPr>
+          <p:nvPr>
+            <p:ph type="body" idx="1"/>
+          </p:nvPr>
+        </p:nvSpPr>
+        <p:spPr/>
+        <p:txBody>
+          <a:bodyPr/>
+          <a:lstStyle/>
+          <a:p>
+            <a:r>
+              <a:rPr lang="zh-CN" altLang="en-US" dirty="0"/>
+              <a:t>中山公园</a:t>
+            </a:r>
+          </a:p>
+        </p:txBody>
+      </p:sp>
+      <p:sp>
+        <p:nvSpPr>
+          <p:cNvPr id="4" name="灯片编号占位符 3"/>
+          <p:cNvSpPr>
+            <a:spLocks noGrp="1"/>
+          </p:cNvSpPr>
+          <p:nvPr>
+            <p:ph type="sldNum" sz="quarter" idx="10"/>
+          </p:nvPr>
+        </p:nvSpPr>
+        <p:spPr/>
+        <p:txBody>
+          <a:bodyPr/>
+          <a:lstStyle/>
+          <a:p>
+            <a:fld id="{01FAE69D-BB1F-42B2-8980-BF3D3F846561}" type="slidenum">
+              <a:rPr lang="zh-CN" altLang="en-US" smtClean="0"/>
+              <a:t>3</a:t>
+            </a:fld>
+            <a:endParaRPr lang="zh-CN" altLang="en-US"/>
+          </a:p>
+        </p:txBody>
+      </p:sp>
+    </p:spTree>
+    <p:extLst>
+      <p:ext uri="{BB962C8B-B14F-4D97-AF65-F5344CB8AC3E}">
+        <p14:creationId xmlns:p14="http://schemas.microsoft.com/office/powerpoint/2010/main" val="3302799112"/>
       </p:ext>
     </p:extLst>
   </p:cSld>
@@ -594,10 +792,9 @@
           </a:lstStyle>
           <a:p>
             <a:r>
-              <a:rPr lang="zh-CN" altLang="en-US" smtClean="0"/>
+              <a:rPr lang="zh-CN" altLang="en-US"/>
               <a:t>单击此处编辑母版标题样式</a:t>
             </a:r>
-            <a:endParaRPr lang="zh-CN" altLang="en-US"/>
           </a:p>
         </p:txBody>
       </p:sp>
@@ -659,10 +856,9 @@
           </a:lstStyle>
           <a:p>
             <a:r>
-              <a:rPr lang="zh-CN" altLang="en-US" smtClean="0"/>
+              <a:rPr lang="zh-CN" altLang="en-US"/>
               <a:t>单击以编辑母版副标题样式</a:t>
             </a:r>
-            <a:endParaRPr lang="zh-CN" altLang="en-US"/>
           </a:p>
         </p:txBody>
       </p:sp>
@@ -683,7 +879,7 @@
           <a:p>
             <a:fld id="{E0AD8FC8-FDEB-42A4-B747-8139D61D2A16}" type="datetimeFigureOut">
               <a:rPr lang="zh-CN" altLang="en-US" smtClean="0"/>
-              <a:t>2017/7/23</a:t>
+              <a:t>2017/7/25</a:t>
             </a:fld>
             <a:endParaRPr lang="zh-CN" altLang="en-US"/>
           </a:p>
@@ -777,10 +973,9 @@
           <a:lstStyle/>
           <a:p>
             <a:r>
-              <a:rPr lang="zh-CN" altLang="en-US" smtClean="0"/>
+              <a:rPr lang="zh-CN" altLang="en-US"/>
               <a:t>单击此处编辑母版标题样式</a:t>
             </a:r>
-            <a:endParaRPr lang="zh-CN" altLang="en-US"/>
           </a:p>
         </p:txBody>
       </p:sp>
@@ -801,38 +996,37 @@
           <a:p>
             <a:pPr lvl="0"/>
             <a:r>
-              <a:rPr lang="zh-CN" altLang="en-US" smtClean="0"/>
+              <a:rPr lang="zh-CN" altLang="en-US"/>
               <a:t>编辑母版文本样式</a:t>
             </a:r>
           </a:p>
           <a:p>
             <a:pPr lvl="1"/>
             <a:r>
-              <a:rPr lang="zh-CN" altLang="en-US" smtClean="0"/>
+              <a:rPr lang="zh-CN" altLang="en-US"/>
               <a:t>第二级</a:t>
             </a:r>
           </a:p>
           <a:p>
             <a:pPr lvl="2"/>
             <a:r>
-              <a:rPr lang="zh-CN" altLang="en-US" smtClean="0"/>
+              <a:rPr lang="zh-CN" altLang="en-US"/>
               <a:t>第三级</a:t>
             </a:r>
           </a:p>
           <a:p>
             <a:pPr lvl="3"/>
             <a:r>
-              <a:rPr lang="zh-CN" altLang="en-US" smtClean="0"/>
+              <a:rPr lang="zh-CN" altLang="en-US"/>
               <a:t>第四级</a:t>
             </a:r>
           </a:p>
           <a:p>
             <a:pPr lvl="4"/>
             <a:r>
-              <a:rPr lang="zh-CN" altLang="en-US" smtClean="0"/>
+              <a:rPr lang="zh-CN" altLang="en-US"/>
               <a:t>第五级</a:t>
             </a:r>
-            <a:endParaRPr lang="zh-CN" altLang="en-US"/>
           </a:p>
         </p:txBody>
       </p:sp>
@@ -853,7 +1047,7 @@
           <a:p>
             <a:fld id="{E0AD8FC8-FDEB-42A4-B747-8139D61D2A16}" type="datetimeFigureOut">
               <a:rPr lang="zh-CN" altLang="en-US" smtClean="0"/>
-              <a:t>2017/7/23</a:t>
+              <a:t>2017/7/25</a:t>
             </a:fld>
             <a:endParaRPr lang="zh-CN" altLang="en-US"/>
           </a:p>
@@ -952,10 +1146,9 @@
           <a:lstStyle/>
           <a:p>
             <a:r>
-              <a:rPr lang="zh-CN" altLang="en-US" smtClean="0"/>
+              <a:rPr lang="zh-CN" altLang="en-US"/>
               <a:t>单击此处编辑母版标题样式</a:t>
             </a:r>
-            <a:endParaRPr lang="zh-CN" altLang="en-US"/>
           </a:p>
         </p:txBody>
       </p:sp>
@@ -981,38 +1174,37 @@
           <a:p>
             <a:pPr lvl="0"/>
             <a:r>
-              <a:rPr lang="zh-CN" altLang="en-US" smtClean="0"/>
+              <a:rPr lang="zh-CN" altLang="en-US"/>
               <a:t>编辑母版文本样式</a:t>
             </a:r>
           </a:p>
           <a:p>
             <a:pPr lvl="1"/>
             <a:r>
-              <a:rPr lang="zh-CN" altLang="en-US" smtClean="0"/>
+              <a:rPr lang="zh-CN" altLang="en-US"/>
               <a:t>第二级</a:t>
             </a:r>
           </a:p>
           <a:p>
             <a:pPr lvl="2"/>
             <a:r>
-              <a:rPr lang="zh-CN" altLang="en-US" smtClean="0"/>
+              <a:rPr lang="zh-CN" altLang="en-US"/>
               <a:t>第三级</a:t>
             </a:r>
           </a:p>
           <a:p>
             <a:pPr lvl="3"/>
             <a:r>
-              <a:rPr lang="zh-CN" altLang="en-US" smtClean="0"/>
+              <a:rPr lang="zh-CN" altLang="en-US"/>
               <a:t>第四级</a:t>
             </a:r>
           </a:p>
           <a:p>
             <a:pPr lvl="4"/>
             <a:r>
-              <a:rPr lang="zh-CN" altLang="en-US" smtClean="0"/>
+              <a:rPr lang="zh-CN" altLang="en-US"/>
               <a:t>第五级</a:t>
             </a:r>
-            <a:endParaRPr lang="zh-CN" altLang="en-US"/>
           </a:p>
         </p:txBody>
       </p:sp>
@@ -1033,7 +1225,7 @@
           <a:p>
             <a:fld id="{E0AD8FC8-FDEB-42A4-B747-8139D61D2A16}" type="datetimeFigureOut">
               <a:rPr lang="zh-CN" altLang="en-US" smtClean="0"/>
-              <a:t>2017/7/23</a:t>
+              <a:t>2017/7/25</a:t>
             </a:fld>
             <a:endParaRPr lang="zh-CN" altLang="en-US"/>
           </a:p>
@@ -1127,10 +1319,9 @@
           <a:lstStyle/>
           <a:p>
             <a:r>
-              <a:rPr lang="zh-CN" altLang="en-US" smtClean="0"/>
+              <a:rPr lang="zh-CN" altLang="en-US"/>
               <a:t>单击此处编辑母版标题样式</a:t>
             </a:r>
-            <a:endParaRPr lang="zh-CN" altLang="en-US"/>
           </a:p>
         </p:txBody>
       </p:sp>
@@ -1151,38 +1342,37 @@
           <a:p>
             <a:pPr lvl="0"/>
             <a:r>
-              <a:rPr lang="zh-CN" altLang="en-US" smtClean="0"/>
+              <a:rPr lang="zh-CN" altLang="en-US"/>
               <a:t>编辑母版文本样式</a:t>
             </a:r>
           </a:p>
           <a:p>
             <a:pPr lvl="1"/>
             <a:r>
-              <a:rPr lang="zh-CN" altLang="en-US" smtClean="0"/>
+              <a:rPr lang="zh-CN" altLang="en-US"/>
               <a:t>第二级</a:t>
             </a:r>
           </a:p>
           <a:p>
             <a:pPr lvl="2"/>
             <a:r>
-              <a:rPr lang="zh-CN" altLang="en-US" smtClean="0"/>
+              <a:rPr lang="zh-CN" altLang="en-US"/>
               <a:t>第三级</a:t>
             </a:r>
           </a:p>
           <a:p>
             <a:pPr lvl="3"/>
             <a:r>
-              <a:rPr lang="zh-CN" altLang="en-US" smtClean="0"/>
+              <a:rPr lang="zh-CN" altLang="en-US"/>
               <a:t>第四级</a:t>
             </a:r>
           </a:p>
           <a:p>
             <a:pPr lvl="4"/>
             <a:r>
-              <a:rPr lang="zh-CN" altLang="en-US" smtClean="0"/>
+              <a:rPr lang="zh-CN" altLang="en-US"/>
               <a:t>第五级</a:t>
             </a:r>
-            <a:endParaRPr lang="zh-CN" altLang="en-US"/>
           </a:p>
         </p:txBody>
       </p:sp>
@@ -1203,7 +1393,7 @@
           <a:p>
             <a:fld id="{E0AD8FC8-FDEB-42A4-B747-8139D61D2A16}" type="datetimeFigureOut">
               <a:rPr lang="zh-CN" altLang="en-US" smtClean="0"/>
-              <a:t>2017/7/23</a:t>
+              <a:t>2017/7/25</a:t>
             </a:fld>
             <a:endParaRPr lang="zh-CN" altLang="en-US"/>
           </a:p>
@@ -1306,10 +1496,9 @@
           </a:lstStyle>
           <a:p>
             <a:r>
-              <a:rPr lang="zh-CN" altLang="en-US" smtClean="0"/>
+              <a:rPr lang="zh-CN" altLang="en-US"/>
               <a:t>单击此处编辑母版标题样式</a:t>
             </a:r>
-            <a:endParaRPr lang="zh-CN" altLang="en-US"/>
           </a:p>
         </p:txBody>
       </p:sp>
@@ -1426,7 +1615,7 @@
           <a:p>
             <a:pPr lvl="0"/>
             <a:r>
-              <a:rPr lang="zh-CN" altLang="en-US" smtClean="0"/>
+              <a:rPr lang="zh-CN" altLang="en-US"/>
               <a:t>编辑母版文本样式</a:t>
             </a:r>
           </a:p>
@@ -1449,7 +1638,7 @@
           <a:p>
             <a:fld id="{E0AD8FC8-FDEB-42A4-B747-8139D61D2A16}" type="datetimeFigureOut">
               <a:rPr lang="zh-CN" altLang="en-US" smtClean="0"/>
-              <a:t>2017/7/23</a:t>
+              <a:t>2017/7/25</a:t>
             </a:fld>
             <a:endParaRPr lang="zh-CN" altLang="en-US"/>
           </a:p>
@@ -1543,10 +1732,9 @@
           <a:lstStyle/>
           <a:p>
             <a:r>
-              <a:rPr lang="zh-CN" altLang="en-US" smtClean="0"/>
+              <a:rPr lang="zh-CN" altLang="en-US"/>
               <a:t>单击此处编辑母版标题样式</a:t>
             </a:r>
-            <a:endParaRPr lang="zh-CN" altLang="en-US"/>
           </a:p>
         </p:txBody>
       </p:sp>
@@ -1572,38 +1760,37 @@
           <a:p>
             <a:pPr lvl="0"/>
             <a:r>
-              <a:rPr lang="zh-CN" altLang="en-US" smtClean="0"/>
+              <a:rPr lang="zh-CN" altLang="en-US"/>
               <a:t>编辑母版文本样式</a:t>
             </a:r>
           </a:p>
           <a:p>
             <a:pPr lvl="1"/>
             <a:r>
-              <a:rPr lang="zh-CN" altLang="en-US" smtClean="0"/>
+              <a:rPr lang="zh-CN" altLang="en-US"/>
               <a:t>第二级</a:t>
             </a:r>
           </a:p>
           <a:p>
             <a:pPr lvl="2"/>
             <a:r>
-              <a:rPr lang="zh-CN" altLang="en-US" smtClean="0"/>
+              <a:rPr lang="zh-CN" altLang="en-US"/>
               <a:t>第三级</a:t>
             </a:r>
           </a:p>
           <a:p>
             <a:pPr lvl="3"/>
             <a:r>
-              <a:rPr lang="zh-CN" altLang="en-US" smtClean="0"/>
+              <a:rPr lang="zh-CN" altLang="en-US"/>
               <a:t>第四级</a:t>
             </a:r>
           </a:p>
           <a:p>
             <a:pPr lvl="4"/>
             <a:r>
-              <a:rPr lang="zh-CN" altLang="en-US" smtClean="0"/>
+              <a:rPr lang="zh-CN" altLang="en-US"/>
               <a:t>第五级</a:t>
             </a:r>
-            <a:endParaRPr lang="zh-CN" altLang="en-US"/>
           </a:p>
         </p:txBody>
       </p:sp>
@@ -1629,38 +1816,37 @@
           <a:p>
             <a:pPr lvl="0"/>
             <a:r>
-              <a:rPr lang="zh-CN" altLang="en-US" smtClean="0"/>
+              <a:rPr lang="zh-CN" altLang="en-US"/>
               <a:t>编辑母版文本样式</a:t>
             </a:r>
           </a:p>
           <a:p>
             <a:pPr lvl="1"/>
             <a:r>
-              <a:rPr lang="zh-CN" altLang="en-US" smtClean="0"/>
+              <a:rPr lang="zh-CN" altLang="en-US"/>
               <a:t>第二级</a:t>
             </a:r>
           </a:p>
           <a:p>
             <a:pPr lvl="2"/>
             <a:r>
-              <a:rPr lang="zh-CN" altLang="en-US" smtClean="0"/>
+              <a:rPr lang="zh-CN" altLang="en-US"/>
               <a:t>第三级</a:t>
             </a:r>
           </a:p>
           <a:p>
             <a:pPr lvl="3"/>
             <a:r>
-              <a:rPr lang="zh-CN" altLang="en-US" smtClean="0"/>
+              <a:rPr lang="zh-CN" altLang="en-US"/>
               <a:t>第四级</a:t>
             </a:r>
           </a:p>
           <a:p>
             <a:pPr lvl="4"/>
             <a:r>
-              <a:rPr lang="zh-CN" altLang="en-US" smtClean="0"/>
+              <a:rPr lang="zh-CN" altLang="en-US"/>
               <a:t>第五级</a:t>
             </a:r>
-            <a:endParaRPr lang="zh-CN" altLang="en-US"/>
           </a:p>
         </p:txBody>
       </p:sp>
@@ -1681,7 +1867,7 @@
           <a:p>
             <a:fld id="{E0AD8FC8-FDEB-42A4-B747-8139D61D2A16}" type="datetimeFigureOut">
               <a:rPr lang="zh-CN" altLang="en-US" smtClean="0"/>
-              <a:t>2017/7/23</a:t>
+              <a:t>2017/7/25</a:t>
             </a:fld>
             <a:endParaRPr lang="zh-CN" altLang="en-US"/>
           </a:p>
@@ -1780,10 +1966,9 @@
           <a:lstStyle/>
           <a:p>
             <a:r>
-              <a:rPr lang="zh-CN" altLang="en-US" smtClean="0"/>
+              <a:rPr lang="zh-CN" altLang="en-US"/>
               <a:t>单击此处编辑母版标题样式</a:t>
             </a:r>
-            <a:endParaRPr lang="zh-CN" altLang="en-US"/>
           </a:p>
         </p:txBody>
       </p:sp>
@@ -1846,7 +2031,7 @@
           <a:p>
             <a:pPr lvl="0"/>
             <a:r>
-              <a:rPr lang="zh-CN" altLang="en-US" smtClean="0"/>
+              <a:rPr lang="zh-CN" altLang="en-US"/>
               <a:t>编辑母版文本样式</a:t>
             </a:r>
           </a:p>
@@ -1874,38 +2059,37 @@
           <a:p>
             <a:pPr lvl="0"/>
             <a:r>
-              <a:rPr lang="zh-CN" altLang="en-US" smtClean="0"/>
+              <a:rPr lang="zh-CN" altLang="en-US"/>
               <a:t>编辑母版文本样式</a:t>
             </a:r>
           </a:p>
           <a:p>
             <a:pPr lvl="1"/>
             <a:r>
-              <a:rPr lang="zh-CN" altLang="en-US" smtClean="0"/>
+              <a:rPr lang="zh-CN" altLang="en-US"/>
               <a:t>第二级</a:t>
             </a:r>
           </a:p>
           <a:p>
             <a:pPr lvl="2"/>
             <a:r>
-              <a:rPr lang="zh-CN" altLang="en-US" smtClean="0"/>
+              <a:rPr lang="zh-CN" altLang="en-US"/>
               <a:t>第三级</a:t>
             </a:r>
           </a:p>
           <a:p>
             <a:pPr lvl="3"/>
             <a:r>
-              <a:rPr lang="zh-CN" altLang="en-US" smtClean="0"/>
+              <a:rPr lang="zh-CN" altLang="en-US"/>
               <a:t>第四级</a:t>
             </a:r>
           </a:p>
           <a:p>
             <a:pPr lvl="4"/>
             <a:r>
-              <a:rPr lang="zh-CN" altLang="en-US" smtClean="0"/>
+              <a:rPr lang="zh-CN" altLang="en-US"/>
               <a:t>第五级</a:t>
             </a:r>
-            <a:endParaRPr lang="zh-CN" altLang="en-US"/>
           </a:p>
         </p:txBody>
       </p:sp>
@@ -1968,7 +2152,7 @@
           <a:p>
             <a:pPr lvl="0"/>
             <a:r>
-              <a:rPr lang="zh-CN" altLang="en-US" smtClean="0"/>
+              <a:rPr lang="zh-CN" altLang="en-US"/>
               <a:t>编辑母版文本样式</a:t>
             </a:r>
           </a:p>
@@ -1996,38 +2180,37 @@
           <a:p>
             <a:pPr lvl="0"/>
             <a:r>
-              <a:rPr lang="zh-CN" altLang="en-US" smtClean="0"/>
+              <a:rPr lang="zh-CN" altLang="en-US"/>
               <a:t>编辑母版文本样式</a:t>
             </a:r>
           </a:p>
           <a:p>
             <a:pPr lvl="1"/>
             <a:r>
-              <a:rPr lang="zh-CN" altLang="en-US" smtClean="0"/>
+              <a:rPr lang="zh-CN" altLang="en-US"/>
               <a:t>第二级</a:t>
             </a:r>
           </a:p>
           <a:p>
             <a:pPr lvl="2"/>
             <a:r>
-              <a:rPr lang="zh-CN" altLang="en-US" smtClean="0"/>
+              <a:rPr lang="zh-CN" altLang="en-US"/>
               <a:t>第三级</a:t>
             </a:r>
           </a:p>
           <a:p>
             <a:pPr lvl="3"/>
             <a:r>
-              <a:rPr lang="zh-CN" altLang="en-US" smtClean="0"/>
+              <a:rPr lang="zh-CN" altLang="en-US"/>
               <a:t>第四级</a:t>
             </a:r>
           </a:p>
           <a:p>
             <a:pPr lvl="4"/>
             <a:r>
-              <a:rPr lang="zh-CN" altLang="en-US" smtClean="0"/>
+              <a:rPr lang="zh-CN" altLang="en-US"/>
               <a:t>第五级</a:t>
             </a:r>
-            <a:endParaRPr lang="zh-CN" altLang="en-US"/>
           </a:p>
         </p:txBody>
       </p:sp>
@@ -2048,7 +2231,7 @@
           <a:p>
             <a:fld id="{E0AD8FC8-FDEB-42A4-B747-8139D61D2A16}" type="datetimeFigureOut">
               <a:rPr lang="zh-CN" altLang="en-US" smtClean="0"/>
-              <a:t>2017/7/23</a:t>
+              <a:t>2017/7/25</a:t>
             </a:fld>
             <a:endParaRPr lang="zh-CN" altLang="en-US"/>
           </a:p>
@@ -2142,10 +2325,9 @@
           <a:lstStyle/>
           <a:p>
             <a:r>
-              <a:rPr lang="zh-CN" altLang="en-US" smtClean="0"/>
+              <a:rPr lang="zh-CN" altLang="en-US"/>
               <a:t>单击此处编辑母版标题样式</a:t>
             </a:r>
-            <a:endParaRPr lang="zh-CN" altLang="en-US"/>
           </a:p>
         </p:txBody>
       </p:sp>
@@ -2166,7 +2348,7 @@
           <a:p>
             <a:fld id="{E0AD8FC8-FDEB-42A4-B747-8139D61D2A16}" type="datetimeFigureOut">
               <a:rPr lang="zh-CN" altLang="en-US" smtClean="0"/>
-              <a:t>2017/7/23</a:t>
+              <a:t>2017/7/25</a:t>
             </a:fld>
             <a:endParaRPr lang="zh-CN" altLang="en-US"/>
           </a:p>
@@ -2261,7 +2443,7 @@
           <a:p>
             <a:fld id="{E0AD8FC8-FDEB-42A4-B747-8139D61D2A16}" type="datetimeFigureOut">
               <a:rPr lang="zh-CN" altLang="en-US" smtClean="0"/>
-              <a:t>2017/7/23</a:t>
+              <a:t>2017/7/25</a:t>
             </a:fld>
             <a:endParaRPr lang="zh-CN" altLang="en-US"/>
           </a:p>
@@ -2364,10 +2546,9 @@
           </a:lstStyle>
           <a:p>
             <a:r>
-              <a:rPr lang="zh-CN" altLang="en-US" smtClean="0"/>
+              <a:rPr lang="zh-CN" altLang="en-US"/>
               <a:t>单击此处编辑母版标题样式</a:t>
             </a:r>
-            <a:endParaRPr lang="zh-CN" altLang="en-US"/>
           </a:p>
         </p:txBody>
       </p:sp>
@@ -2421,38 +2602,37 @@
           <a:p>
             <a:pPr lvl="0"/>
             <a:r>
-              <a:rPr lang="zh-CN" altLang="en-US" smtClean="0"/>
+              <a:rPr lang="zh-CN" altLang="en-US"/>
               <a:t>编辑母版文本样式</a:t>
             </a:r>
           </a:p>
           <a:p>
             <a:pPr lvl="1"/>
             <a:r>
-              <a:rPr lang="zh-CN" altLang="en-US" smtClean="0"/>
+              <a:rPr lang="zh-CN" altLang="en-US"/>
               <a:t>第二级</a:t>
             </a:r>
           </a:p>
           <a:p>
             <a:pPr lvl="2"/>
             <a:r>
-              <a:rPr lang="zh-CN" altLang="en-US" smtClean="0"/>
+              <a:rPr lang="zh-CN" altLang="en-US"/>
               <a:t>第三级</a:t>
             </a:r>
           </a:p>
           <a:p>
             <a:pPr lvl="3"/>
             <a:r>
-              <a:rPr lang="zh-CN" altLang="en-US" smtClean="0"/>
+              <a:rPr lang="zh-CN" altLang="en-US"/>
               <a:t>第四级</a:t>
             </a:r>
           </a:p>
           <a:p>
             <a:pPr lvl="4"/>
             <a:r>
-              <a:rPr lang="zh-CN" altLang="en-US" smtClean="0"/>
+              <a:rPr lang="zh-CN" altLang="en-US"/>
               <a:t>第五级</a:t>
             </a:r>
-            <a:endParaRPr lang="zh-CN" altLang="en-US"/>
           </a:p>
         </p:txBody>
       </p:sp>
@@ -2515,7 +2695,7 @@
           <a:p>
             <a:pPr lvl="0"/>
             <a:r>
-              <a:rPr lang="zh-CN" altLang="en-US" smtClean="0"/>
+              <a:rPr lang="zh-CN" altLang="en-US"/>
               <a:t>编辑母版文本样式</a:t>
             </a:r>
           </a:p>
@@ -2538,7 +2718,7 @@
           <a:p>
             <a:fld id="{E0AD8FC8-FDEB-42A4-B747-8139D61D2A16}" type="datetimeFigureOut">
               <a:rPr lang="zh-CN" altLang="en-US" smtClean="0"/>
-              <a:t>2017/7/23</a:t>
+              <a:t>2017/7/25</a:t>
             </a:fld>
             <a:endParaRPr lang="zh-CN" altLang="en-US"/>
           </a:p>
@@ -2641,10 +2821,9 @@
           </a:lstStyle>
           <a:p>
             <a:r>
-              <a:rPr lang="zh-CN" altLang="en-US" smtClean="0"/>
+              <a:rPr lang="zh-CN" altLang="en-US"/>
               <a:t>单击此处编辑母版标题样式</a:t>
             </a:r>
-            <a:endParaRPr lang="zh-CN" altLang="en-US"/>
           </a:p>
         </p:txBody>
       </p:sp>
@@ -2768,7 +2947,7 @@
           <a:p>
             <a:pPr lvl="0"/>
             <a:r>
-              <a:rPr lang="zh-CN" altLang="en-US" smtClean="0"/>
+              <a:rPr lang="zh-CN" altLang="en-US"/>
               <a:t>编辑母版文本样式</a:t>
             </a:r>
           </a:p>
@@ -2791,7 +2970,7 @@
           <a:p>
             <a:fld id="{E0AD8FC8-FDEB-42A4-B747-8139D61D2A16}" type="datetimeFigureOut">
               <a:rPr lang="zh-CN" altLang="en-US" smtClean="0"/>
-              <a:t>2017/7/23</a:t>
+              <a:t>2017/7/25</a:t>
             </a:fld>
             <a:endParaRPr lang="zh-CN" altLang="en-US"/>
           </a:p>
@@ -2900,10 +3079,9 @@
           <a:lstStyle/>
           <a:p>
             <a:r>
-              <a:rPr lang="zh-CN" altLang="en-US" smtClean="0"/>
+              <a:rPr lang="zh-CN" altLang="en-US"/>
               <a:t>单击此处编辑母版标题样式</a:t>
             </a:r>
-            <a:endParaRPr lang="zh-CN" altLang="en-US"/>
           </a:p>
         </p:txBody>
       </p:sp>
@@ -2934,38 +3112,37 @@
           <a:p>
             <a:pPr lvl="0"/>
             <a:r>
-              <a:rPr lang="zh-CN" altLang="en-US" smtClean="0"/>
+              <a:rPr lang="zh-CN" altLang="en-US"/>
               <a:t>编辑母版文本样式</a:t>
             </a:r>
           </a:p>
           <a:p>
             <a:pPr lvl="1"/>
             <a:r>
-              <a:rPr lang="zh-CN" altLang="en-US" smtClean="0"/>
+              <a:rPr lang="zh-CN" altLang="en-US"/>
               <a:t>第二级</a:t>
             </a:r>
           </a:p>
           <a:p>
             <a:pPr lvl="2"/>
             <a:r>
-              <a:rPr lang="zh-CN" altLang="en-US" smtClean="0"/>
+              <a:rPr lang="zh-CN" altLang="en-US"/>
               <a:t>第三级</a:t>
             </a:r>
           </a:p>
           <a:p>
             <a:pPr lvl="3"/>
             <a:r>
-              <a:rPr lang="zh-CN" altLang="en-US" smtClean="0"/>
+              <a:rPr lang="zh-CN" altLang="en-US"/>
               <a:t>第四级</a:t>
             </a:r>
           </a:p>
           <a:p>
             <a:pPr lvl="4"/>
             <a:r>
-              <a:rPr lang="zh-CN" altLang="en-US" smtClean="0"/>
+              <a:rPr lang="zh-CN" altLang="en-US"/>
               <a:t>第五级</a:t>
             </a:r>
-            <a:endParaRPr lang="zh-CN" altLang="en-US"/>
           </a:p>
         </p:txBody>
       </p:sp>
@@ -3004,7 +3181,7 @@
           <a:p>
             <a:fld id="{E0AD8FC8-FDEB-42A4-B747-8139D61D2A16}" type="datetimeFigureOut">
               <a:rPr lang="zh-CN" altLang="en-US" smtClean="0"/>
-              <a:t>2017/7/23</a:t>
+              <a:t>2017/7/25</a:t>
             </a:fld>
             <a:endParaRPr lang="zh-CN" altLang="en-US"/>
           </a:p>
@@ -4315,6 +4492,3009 @@
 </p:sld>
 </file>
 
+<file path=ppt/slides/slide10.xml><?xml version="1.0" encoding="utf-8"?>
+<p:sld xmlns:a="http://schemas.openxmlformats.org/drawingml/2006/main" xmlns:r="http://schemas.openxmlformats.org/officeDocument/2006/relationships" xmlns:p="http://schemas.openxmlformats.org/presentationml/2006/main">
+  <p:cSld>
+    <p:spTree>
+      <p:nvGrpSpPr>
+        <p:cNvPr id="1" name=""/>
+        <p:cNvGrpSpPr/>
+        <p:nvPr/>
+      </p:nvGrpSpPr>
+      <p:grpSpPr>
+        <a:xfrm>
+          <a:off x="0" y="0"/>
+          <a:ext cx="0" cy="0"/>
+          <a:chOff x="0" y="0"/>
+          <a:chExt cx="0" cy="0"/>
+        </a:xfrm>
+      </p:grpSpPr>
+    </p:spTree>
+    <p:extLst>
+      <p:ext uri="{BB962C8B-B14F-4D97-AF65-F5344CB8AC3E}">
+        <p14:creationId xmlns:p14="http://schemas.microsoft.com/office/powerpoint/2010/main" val="2802922723"/>
+      </p:ext>
+    </p:extLst>
+  </p:cSld>
+  <p:clrMapOvr>
+    <a:masterClrMapping/>
+  </p:clrMapOvr>
+</p:sld>
+</file>
+
+<file path=ppt/slides/slide11.xml><?xml version="1.0" encoding="utf-8"?>
+<p:sld xmlns:a="http://schemas.openxmlformats.org/drawingml/2006/main" xmlns:r="http://schemas.openxmlformats.org/officeDocument/2006/relationships" xmlns:p="http://schemas.openxmlformats.org/presentationml/2006/main">
+  <p:cSld>
+    <p:spTree>
+      <p:nvGrpSpPr>
+        <p:cNvPr id="1" name=""/>
+        <p:cNvGrpSpPr/>
+        <p:nvPr/>
+      </p:nvGrpSpPr>
+      <p:grpSpPr>
+        <a:xfrm>
+          <a:off x="0" y="0"/>
+          <a:ext cx="0" cy="0"/>
+          <a:chOff x="0" y="0"/>
+          <a:chExt cx="0" cy="0"/>
+        </a:xfrm>
+      </p:grpSpPr>
+    </p:spTree>
+    <p:extLst>
+      <p:ext uri="{BB962C8B-B14F-4D97-AF65-F5344CB8AC3E}">
+        <p14:creationId xmlns:p14="http://schemas.microsoft.com/office/powerpoint/2010/main" val="1817945743"/>
+      </p:ext>
+    </p:extLst>
+  </p:cSld>
+  <p:clrMapOvr>
+    <a:masterClrMapping/>
+  </p:clrMapOvr>
+</p:sld>
+</file>
+
+<file path=ppt/slides/slide12.xml><?xml version="1.0" encoding="utf-8"?>
+<p:sld xmlns:a="http://schemas.openxmlformats.org/drawingml/2006/main" xmlns:r="http://schemas.openxmlformats.org/officeDocument/2006/relationships" xmlns:p="http://schemas.openxmlformats.org/presentationml/2006/main">
+  <p:cSld>
+    <p:spTree>
+      <p:nvGrpSpPr>
+        <p:cNvPr id="1" name=""/>
+        <p:cNvGrpSpPr/>
+        <p:nvPr/>
+      </p:nvGrpSpPr>
+      <p:grpSpPr>
+        <a:xfrm>
+          <a:off x="0" y="0"/>
+          <a:ext cx="0" cy="0"/>
+          <a:chOff x="0" y="0"/>
+          <a:chExt cx="0" cy="0"/>
+        </a:xfrm>
+      </p:grpSpPr>
+    </p:spTree>
+    <p:extLst>
+      <p:ext uri="{BB962C8B-B14F-4D97-AF65-F5344CB8AC3E}">
+        <p14:creationId xmlns:p14="http://schemas.microsoft.com/office/powerpoint/2010/main" val="2943240579"/>
+      </p:ext>
+    </p:extLst>
+  </p:cSld>
+  <p:clrMapOvr>
+    <a:masterClrMapping/>
+  </p:clrMapOvr>
+</p:sld>
+</file>
+
+<file path=ppt/slides/slide13.xml><?xml version="1.0" encoding="utf-8"?>
+<p:sld xmlns:a="http://schemas.openxmlformats.org/drawingml/2006/main" xmlns:r="http://schemas.openxmlformats.org/officeDocument/2006/relationships" xmlns:p="http://schemas.openxmlformats.org/presentationml/2006/main">
+  <p:cSld>
+    <p:spTree>
+      <p:nvGrpSpPr>
+        <p:cNvPr id="1" name=""/>
+        <p:cNvGrpSpPr/>
+        <p:nvPr/>
+      </p:nvGrpSpPr>
+      <p:grpSpPr>
+        <a:xfrm>
+          <a:off x="0" y="0"/>
+          <a:ext cx="0" cy="0"/>
+          <a:chOff x="0" y="0"/>
+          <a:chExt cx="0" cy="0"/>
+        </a:xfrm>
+      </p:grpSpPr>
+    </p:spTree>
+    <p:extLst>
+      <p:ext uri="{BB962C8B-B14F-4D97-AF65-F5344CB8AC3E}">
+        <p14:creationId xmlns:p14="http://schemas.microsoft.com/office/powerpoint/2010/main" val="2617020760"/>
+      </p:ext>
+    </p:extLst>
+  </p:cSld>
+  <p:clrMapOvr>
+    <a:masterClrMapping/>
+  </p:clrMapOvr>
+</p:sld>
+</file>
+
+<file path=ppt/slides/slide14.xml><?xml version="1.0" encoding="utf-8"?>
+<p:sld xmlns:a="http://schemas.openxmlformats.org/drawingml/2006/main" xmlns:r="http://schemas.openxmlformats.org/officeDocument/2006/relationships" xmlns:p="http://schemas.openxmlformats.org/presentationml/2006/main">
+  <p:cSld>
+    <p:spTree>
+      <p:nvGrpSpPr>
+        <p:cNvPr id="1" name=""/>
+        <p:cNvGrpSpPr/>
+        <p:nvPr/>
+      </p:nvGrpSpPr>
+      <p:grpSpPr>
+        <a:xfrm>
+          <a:off x="0" y="0"/>
+          <a:ext cx="0" cy="0"/>
+          <a:chOff x="0" y="0"/>
+          <a:chExt cx="0" cy="0"/>
+        </a:xfrm>
+      </p:grpSpPr>
+    </p:spTree>
+    <p:extLst>
+      <p:ext uri="{BB962C8B-B14F-4D97-AF65-F5344CB8AC3E}">
+        <p14:creationId xmlns:p14="http://schemas.microsoft.com/office/powerpoint/2010/main" val="2224259524"/>
+      </p:ext>
+    </p:extLst>
+  </p:cSld>
+  <p:clrMapOvr>
+    <a:masterClrMapping/>
+  </p:clrMapOvr>
+</p:sld>
+</file>
+
+<file path=ppt/slides/slide15.xml><?xml version="1.0" encoding="utf-8"?>
+<p:sld xmlns:a="http://schemas.openxmlformats.org/drawingml/2006/main" xmlns:r="http://schemas.openxmlformats.org/officeDocument/2006/relationships" xmlns:p="http://schemas.openxmlformats.org/presentationml/2006/main">
+  <p:cSld>
+    <p:spTree>
+      <p:nvGrpSpPr>
+        <p:cNvPr id="1" name=""/>
+        <p:cNvGrpSpPr/>
+        <p:nvPr/>
+      </p:nvGrpSpPr>
+      <p:grpSpPr>
+        <a:xfrm>
+          <a:off x="0" y="0"/>
+          <a:ext cx="0" cy="0"/>
+          <a:chOff x="0" y="0"/>
+          <a:chExt cx="0" cy="0"/>
+        </a:xfrm>
+      </p:grpSpPr>
+    </p:spTree>
+    <p:extLst>
+      <p:ext uri="{BB962C8B-B14F-4D97-AF65-F5344CB8AC3E}">
+        <p14:creationId xmlns:p14="http://schemas.microsoft.com/office/powerpoint/2010/main" val="3420730690"/>
+      </p:ext>
+    </p:extLst>
+  </p:cSld>
+  <p:clrMapOvr>
+    <a:masterClrMapping/>
+  </p:clrMapOvr>
+</p:sld>
+</file>
+
+<file path=ppt/slides/slide16.xml><?xml version="1.0" encoding="utf-8"?>
+<p:sld xmlns:a="http://schemas.openxmlformats.org/drawingml/2006/main" xmlns:r="http://schemas.openxmlformats.org/officeDocument/2006/relationships" xmlns:p="http://schemas.openxmlformats.org/presentationml/2006/main">
+  <p:cSld>
+    <p:spTree>
+      <p:nvGrpSpPr>
+        <p:cNvPr id="1" name=""/>
+        <p:cNvGrpSpPr/>
+        <p:nvPr/>
+      </p:nvGrpSpPr>
+      <p:grpSpPr>
+        <a:xfrm>
+          <a:off x="0" y="0"/>
+          <a:ext cx="0" cy="0"/>
+          <a:chOff x="0" y="0"/>
+          <a:chExt cx="0" cy="0"/>
+        </a:xfrm>
+      </p:grpSpPr>
+    </p:spTree>
+    <p:extLst>
+      <p:ext uri="{BB962C8B-B14F-4D97-AF65-F5344CB8AC3E}">
+        <p14:creationId xmlns:p14="http://schemas.microsoft.com/office/powerpoint/2010/main" val="3852566377"/>
+      </p:ext>
+    </p:extLst>
+  </p:cSld>
+  <p:clrMapOvr>
+    <a:masterClrMapping/>
+  </p:clrMapOvr>
+</p:sld>
+</file>
+
+<file path=ppt/slides/slide17.xml><?xml version="1.0" encoding="utf-8"?>
+<p:sld xmlns:a="http://schemas.openxmlformats.org/drawingml/2006/main" xmlns:r="http://schemas.openxmlformats.org/officeDocument/2006/relationships" xmlns:p="http://schemas.openxmlformats.org/presentationml/2006/main">
+  <p:cSld>
+    <p:spTree>
+      <p:nvGrpSpPr>
+        <p:cNvPr id="1" name=""/>
+        <p:cNvGrpSpPr/>
+        <p:nvPr/>
+      </p:nvGrpSpPr>
+      <p:grpSpPr>
+        <a:xfrm>
+          <a:off x="0" y="0"/>
+          <a:ext cx="0" cy="0"/>
+          <a:chOff x="0" y="0"/>
+          <a:chExt cx="0" cy="0"/>
+        </a:xfrm>
+      </p:grpSpPr>
+    </p:spTree>
+    <p:extLst>
+      <p:ext uri="{BB962C8B-B14F-4D97-AF65-F5344CB8AC3E}">
+        <p14:creationId xmlns:p14="http://schemas.microsoft.com/office/powerpoint/2010/main" val="2584807011"/>
+      </p:ext>
+    </p:extLst>
+  </p:cSld>
+  <p:clrMapOvr>
+    <a:masterClrMapping/>
+  </p:clrMapOvr>
+</p:sld>
+</file>
+
+<file path=ppt/slides/slide2.xml><?xml version="1.0" encoding="utf-8"?>
+<p:sld xmlns:a="http://schemas.openxmlformats.org/drawingml/2006/main" xmlns:r="http://schemas.openxmlformats.org/officeDocument/2006/relationships" xmlns:p="http://schemas.openxmlformats.org/presentationml/2006/main">
+  <p:cSld>
+    <p:spTree>
+      <p:nvGrpSpPr>
+        <p:cNvPr id="1" name=""/>
+        <p:cNvGrpSpPr/>
+        <p:nvPr/>
+      </p:nvGrpSpPr>
+      <p:grpSpPr>
+        <a:xfrm>
+          <a:off x="0" y="0"/>
+          <a:ext cx="0" cy="0"/>
+          <a:chOff x="0" y="0"/>
+          <a:chExt cx="0" cy="0"/>
+        </a:xfrm>
+      </p:grpSpPr>
+      <p:grpSp>
+        <p:nvGrpSpPr>
+          <p:cNvPr id="27" name="组合 26">
+            <a:extLst>
+              <a:ext uri="{FF2B5EF4-FFF2-40B4-BE49-F238E27FC236}">
+                <a16:creationId xmlns:a16="http://schemas.microsoft.com/office/drawing/2014/main" id="{E17FB9B2-09A9-483E-8ACE-264A4539466F}"/>
+              </a:ext>
+            </a:extLst>
+          </p:cNvPr>
+          <p:cNvGrpSpPr/>
+          <p:nvPr/>
+        </p:nvGrpSpPr>
+        <p:grpSpPr>
+          <a:xfrm>
+            <a:off x="0" y="0"/>
+            <a:ext cx="9027368" cy="6858000"/>
+            <a:chOff x="0" y="0"/>
+            <a:chExt cx="9027368" cy="6858000"/>
+          </a:xfrm>
+        </p:grpSpPr>
+        <p:pic>
+          <p:nvPicPr>
+            <p:cNvPr id="5" name="图片 4" descr="屏幕剪辑">
+              <a:extLst>
+                <a:ext uri="{FF2B5EF4-FFF2-40B4-BE49-F238E27FC236}">
+                  <a16:creationId xmlns:a16="http://schemas.microsoft.com/office/drawing/2014/main" id="{AF3FF29C-3DC6-48B9-B480-BFA780C06B28}"/>
+                </a:ext>
+              </a:extLst>
+            </p:cNvPr>
+            <p:cNvPicPr>
+              <a:picLocks noChangeAspect="1"/>
+            </p:cNvPicPr>
+            <p:nvPr/>
+          </p:nvPicPr>
+          <p:blipFill>
+            <a:blip r:embed="rId3">
+              <a:extLst>
+                <a:ext uri="{28A0092B-C50C-407E-A947-70E740481C1C}">
+                  <a14:useLocalDpi xmlns:a14="http://schemas.microsoft.com/office/drawing/2010/main" val="0"/>
+                </a:ext>
+              </a:extLst>
+            </a:blip>
+            <a:stretch>
+              <a:fillRect/>
+            </a:stretch>
+          </p:blipFill>
+          <p:spPr>
+            <a:xfrm>
+              <a:off x="0" y="0"/>
+              <a:ext cx="9027368" cy="6858000"/>
+            </a:xfrm>
+            <a:prstGeom prst="rect">
+              <a:avLst/>
+            </a:prstGeom>
+          </p:spPr>
+        </p:pic>
+        <p:sp>
+          <p:nvSpPr>
+            <p:cNvPr id="6" name="椭圆 5">
+              <a:extLst>
+                <a:ext uri="{FF2B5EF4-FFF2-40B4-BE49-F238E27FC236}">
+                  <a16:creationId xmlns:a16="http://schemas.microsoft.com/office/drawing/2014/main" id="{B07A242B-DD18-4BA2-94D5-88987D60232E}"/>
+                </a:ext>
+              </a:extLst>
+            </p:cNvPr>
+            <p:cNvSpPr/>
+            <p:nvPr/>
+          </p:nvSpPr>
+          <p:spPr>
+            <a:xfrm>
+              <a:off x="3030282" y="5061095"/>
+              <a:ext cx="116958" cy="116958"/>
+            </a:xfrm>
+            <a:prstGeom prst="ellipse">
+              <a:avLst/>
+            </a:prstGeom>
+            <a:solidFill>
+              <a:srgbClr val="FF0000">
+                <a:alpha val="67000"/>
+              </a:srgbClr>
+            </a:solidFill>
+            <a:ln>
+              <a:noFill/>
+            </a:ln>
+          </p:spPr>
+          <p:style>
+            <a:lnRef idx="2">
+              <a:schemeClr val="accent1">
+                <a:shade val="50000"/>
+              </a:schemeClr>
+            </a:lnRef>
+            <a:fillRef idx="1">
+              <a:schemeClr val="accent1"/>
+            </a:fillRef>
+            <a:effectRef idx="0">
+              <a:schemeClr val="accent1"/>
+            </a:effectRef>
+            <a:fontRef idx="minor">
+              <a:schemeClr val="lt1"/>
+            </a:fontRef>
+          </p:style>
+          <p:txBody>
+            <a:bodyPr rtlCol="0" anchor="ctr"/>
+            <a:lstStyle/>
+            <a:p>
+              <a:pPr algn="ctr"/>
+              <a:endParaRPr lang="zh-CN" altLang="en-US"/>
+            </a:p>
+          </p:txBody>
+        </p:sp>
+        <p:sp>
+          <p:nvSpPr>
+            <p:cNvPr id="9" name="椭圆 8">
+              <a:extLst>
+                <a:ext uri="{FF2B5EF4-FFF2-40B4-BE49-F238E27FC236}">
+                  <a16:creationId xmlns:a16="http://schemas.microsoft.com/office/drawing/2014/main" id="{E2855B50-02E3-4794-AEEA-9F8E16916BA2}"/>
+                </a:ext>
+              </a:extLst>
+            </p:cNvPr>
+            <p:cNvSpPr/>
+            <p:nvPr/>
+          </p:nvSpPr>
+          <p:spPr>
+            <a:xfrm>
+              <a:off x="2996610" y="4883888"/>
+              <a:ext cx="116958" cy="116958"/>
+            </a:xfrm>
+            <a:prstGeom prst="ellipse">
+              <a:avLst/>
+            </a:prstGeom>
+            <a:solidFill>
+              <a:srgbClr val="FF0000">
+                <a:alpha val="67000"/>
+              </a:srgbClr>
+            </a:solidFill>
+            <a:ln>
+              <a:noFill/>
+            </a:ln>
+          </p:spPr>
+          <p:style>
+            <a:lnRef idx="2">
+              <a:schemeClr val="accent1">
+                <a:shade val="50000"/>
+              </a:schemeClr>
+            </a:lnRef>
+            <a:fillRef idx="1">
+              <a:schemeClr val="accent1"/>
+            </a:fillRef>
+            <a:effectRef idx="0">
+              <a:schemeClr val="accent1"/>
+            </a:effectRef>
+            <a:fontRef idx="minor">
+              <a:schemeClr val="lt1"/>
+            </a:fontRef>
+          </p:style>
+          <p:txBody>
+            <a:bodyPr rtlCol="0" anchor="ctr"/>
+            <a:lstStyle/>
+            <a:p>
+              <a:pPr algn="ctr"/>
+              <a:endParaRPr lang="zh-CN" altLang="en-US"/>
+            </a:p>
+          </p:txBody>
+        </p:sp>
+        <p:sp>
+          <p:nvSpPr>
+            <p:cNvPr id="10" name="椭圆 9">
+              <a:extLst>
+                <a:ext uri="{FF2B5EF4-FFF2-40B4-BE49-F238E27FC236}">
+                  <a16:creationId xmlns:a16="http://schemas.microsoft.com/office/drawing/2014/main" id="{1DD49F68-CA62-47C6-BC30-1E377397D6BF}"/>
+                </a:ext>
+              </a:extLst>
+            </p:cNvPr>
+            <p:cNvSpPr/>
+            <p:nvPr/>
+          </p:nvSpPr>
+          <p:spPr>
+            <a:xfrm>
+              <a:off x="3414827" y="4089991"/>
+              <a:ext cx="116958" cy="116958"/>
+            </a:xfrm>
+            <a:prstGeom prst="ellipse">
+              <a:avLst/>
+            </a:prstGeom>
+            <a:solidFill>
+              <a:schemeClr val="tx1">
+                <a:alpha val="67000"/>
+              </a:schemeClr>
+            </a:solidFill>
+            <a:ln>
+              <a:noFill/>
+            </a:ln>
+          </p:spPr>
+          <p:style>
+            <a:lnRef idx="2">
+              <a:schemeClr val="accent1">
+                <a:shade val="50000"/>
+              </a:schemeClr>
+            </a:lnRef>
+            <a:fillRef idx="1">
+              <a:schemeClr val="accent1"/>
+            </a:fillRef>
+            <a:effectRef idx="0">
+              <a:schemeClr val="accent1"/>
+            </a:effectRef>
+            <a:fontRef idx="minor">
+              <a:schemeClr val="lt1"/>
+            </a:fontRef>
+          </p:style>
+          <p:txBody>
+            <a:bodyPr rtlCol="0" anchor="ctr"/>
+            <a:lstStyle/>
+            <a:p>
+              <a:pPr algn="ctr"/>
+              <a:endParaRPr lang="zh-CN" altLang="en-US"/>
+            </a:p>
+          </p:txBody>
+        </p:sp>
+        <p:sp>
+          <p:nvSpPr>
+            <p:cNvPr id="11" name="椭圆 10">
+              <a:extLst>
+                <a:ext uri="{FF2B5EF4-FFF2-40B4-BE49-F238E27FC236}">
+                  <a16:creationId xmlns:a16="http://schemas.microsoft.com/office/drawing/2014/main" id="{F35E6C81-F8EA-4E6E-9DFD-778013EDCFF1}"/>
+                </a:ext>
+              </a:extLst>
+            </p:cNvPr>
+            <p:cNvSpPr/>
+            <p:nvPr/>
+          </p:nvSpPr>
+          <p:spPr>
+            <a:xfrm>
+              <a:off x="3797595" y="3919867"/>
+              <a:ext cx="116958" cy="116958"/>
+            </a:xfrm>
+            <a:prstGeom prst="ellipse">
+              <a:avLst/>
+            </a:prstGeom>
+            <a:solidFill>
+              <a:srgbClr val="FF0000">
+                <a:alpha val="67000"/>
+              </a:srgbClr>
+            </a:solidFill>
+            <a:ln>
+              <a:noFill/>
+            </a:ln>
+          </p:spPr>
+          <p:style>
+            <a:lnRef idx="2">
+              <a:schemeClr val="accent1">
+                <a:shade val="50000"/>
+              </a:schemeClr>
+            </a:lnRef>
+            <a:fillRef idx="1">
+              <a:schemeClr val="accent1"/>
+            </a:fillRef>
+            <a:effectRef idx="0">
+              <a:schemeClr val="accent1"/>
+            </a:effectRef>
+            <a:fontRef idx="minor">
+              <a:schemeClr val="lt1"/>
+            </a:fontRef>
+          </p:style>
+          <p:txBody>
+            <a:bodyPr rtlCol="0" anchor="ctr"/>
+            <a:lstStyle/>
+            <a:p>
+              <a:pPr algn="ctr"/>
+              <a:endParaRPr lang="zh-CN" altLang="en-US"/>
+            </a:p>
+          </p:txBody>
+        </p:sp>
+        <p:sp>
+          <p:nvSpPr>
+            <p:cNvPr id="12" name="椭圆 11">
+              <a:extLst>
+                <a:ext uri="{FF2B5EF4-FFF2-40B4-BE49-F238E27FC236}">
+                  <a16:creationId xmlns:a16="http://schemas.microsoft.com/office/drawing/2014/main" id="{28CB16F4-33B7-45F5-B859-42CD44F4F326}"/>
+                </a:ext>
+              </a:extLst>
+            </p:cNvPr>
+            <p:cNvSpPr/>
+            <p:nvPr/>
+          </p:nvSpPr>
+          <p:spPr>
+            <a:xfrm>
+              <a:off x="3170276" y="3643424"/>
+              <a:ext cx="116958" cy="116958"/>
+            </a:xfrm>
+            <a:prstGeom prst="ellipse">
+              <a:avLst/>
+            </a:prstGeom>
+            <a:solidFill>
+              <a:srgbClr val="FF0000">
+                <a:alpha val="67000"/>
+              </a:srgbClr>
+            </a:solidFill>
+            <a:ln>
+              <a:noFill/>
+            </a:ln>
+          </p:spPr>
+          <p:style>
+            <a:lnRef idx="2">
+              <a:schemeClr val="accent1">
+                <a:shade val="50000"/>
+              </a:schemeClr>
+            </a:lnRef>
+            <a:fillRef idx="1">
+              <a:schemeClr val="accent1"/>
+            </a:fillRef>
+            <a:effectRef idx="0">
+              <a:schemeClr val="accent1"/>
+            </a:effectRef>
+            <a:fontRef idx="minor">
+              <a:schemeClr val="lt1"/>
+            </a:fontRef>
+          </p:style>
+          <p:txBody>
+            <a:bodyPr rtlCol="0" anchor="ctr"/>
+            <a:lstStyle/>
+            <a:p>
+              <a:pPr algn="ctr"/>
+              <a:endParaRPr lang="zh-CN" altLang="en-US"/>
+            </a:p>
+          </p:txBody>
+        </p:sp>
+        <p:sp>
+          <p:nvSpPr>
+            <p:cNvPr id="13" name="椭圆 12">
+              <a:extLst>
+                <a:ext uri="{FF2B5EF4-FFF2-40B4-BE49-F238E27FC236}">
+                  <a16:creationId xmlns:a16="http://schemas.microsoft.com/office/drawing/2014/main" id="{33E1A400-B289-4F02-8111-F2FD6A39CB5F}"/>
+                </a:ext>
+              </a:extLst>
+            </p:cNvPr>
+            <p:cNvSpPr/>
+            <p:nvPr/>
+          </p:nvSpPr>
+          <p:spPr>
+            <a:xfrm>
+              <a:off x="2908005" y="3763927"/>
+              <a:ext cx="116958" cy="116958"/>
+            </a:xfrm>
+            <a:prstGeom prst="ellipse">
+              <a:avLst/>
+            </a:prstGeom>
+            <a:solidFill>
+              <a:srgbClr val="FF0000">
+                <a:alpha val="67000"/>
+              </a:srgbClr>
+            </a:solidFill>
+            <a:ln>
+              <a:noFill/>
+            </a:ln>
+          </p:spPr>
+          <p:style>
+            <a:lnRef idx="2">
+              <a:schemeClr val="accent1">
+                <a:shade val="50000"/>
+              </a:schemeClr>
+            </a:lnRef>
+            <a:fillRef idx="1">
+              <a:schemeClr val="accent1"/>
+            </a:fillRef>
+            <a:effectRef idx="0">
+              <a:schemeClr val="accent1"/>
+            </a:effectRef>
+            <a:fontRef idx="minor">
+              <a:schemeClr val="lt1"/>
+            </a:fontRef>
+          </p:style>
+          <p:txBody>
+            <a:bodyPr rtlCol="0" anchor="ctr"/>
+            <a:lstStyle/>
+            <a:p>
+              <a:pPr algn="ctr"/>
+              <a:endParaRPr lang="zh-CN" altLang="en-US"/>
+            </a:p>
+          </p:txBody>
+        </p:sp>
+        <p:sp>
+          <p:nvSpPr>
+            <p:cNvPr id="15" name="椭圆 14">
+              <a:extLst>
+                <a:ext uri="{FF2B5EF4-FFF2-40B4-BE49-F238E27FC236}">
+                  <a16:creationId xmlns:a16="http://schemas.microsoft.com/office/drawing/2014/main" id="{833E9E87-3460-4306-A9B5-832C0120B52E}"/>
+                </a:ext>
+              </a:extLst>
+            </p:cNvPr>
+            <p:cNvSpPr/>
+            <p:nvPr/>
+          </p:nvSpPr>
+          <p:spPr>
+            <a:xfrm>
+              <a:off x="3620388" y="3530007"/>
+              <a:ext cx="116958" cy="116958"/>
+            </a:xfrm>
+            <a:prstGeom prst="ellipse">
+              <a:avLst/>
+            </a:prstGeom>
+            <a:solidFill>
+              <a:srgbClr val="FF0000">
+                <a:alpha val="67000"/>
+              </a:srgbClr>
+            </a:solidFill>
+            <a:ln>
+              <a:noFill/>
+            </a:ln>
+          </p:spPr>
+          <p:style>
+            <a:lnRef idx="2">
+              <a:schemeClr val="accent1">
+                <a:shade val="50000"/>
+              </a:schemeClr>
+            </a:lnRef>
+            <a:fillRef idx="1">
+              <a:schemeClr val="accent1"/>
+            </a:fillRef>
+            <a:effectRef idx="0">
+              <a:schemeClr val="accent1"/>
+            </a:effectRef>
+            <a:fontRef idx="minor">
+              <a:schemeClr val="lt1"/>
+            </a:fontRef>
+          </p:style>
+          <p:txBody>
+            <a:bodyPr rtlCol="0" anchor="ctr"/>
+            <a:lstStyle/>
+            <a:p>
+              <a:pPr algn="ctr"/>
+              <a:endParaRPr lang="zh-CN" altLang="en-US"/>
+            </a:p>
+          </p:txBody>
+        </p:sp>
+        <p:sp>
+          <p:nvSpPr>
+            <p:cNvPr id="17" name="椭圆 16">
+              <a:extLst>
+                <a:ext uri="{FF2B5EF4-FFF2-40B4-BE49-F238E27FC236}">
+                  <a16:creationId xmlns:a16="http://schemas.microsoft.com/office/drawing/2014/main" id="{8CBD4989-1183-4F3B-9D1F-E24D60E58EFC}"/>
+                </a:ext>
+              </a:extLst>
+            </p:cNvPr>
+            <p:cNvSpPr/>
+            <p:nvPr/>
+          </p:nvSpPr>
+          <p:spPr>
+            <a:xfrm>
+              <a:off x="4843127" y="3827718"/>
+              <a:ext cx="116958" cy="116958"/>
+            </a:xfrm>
+            <a:prstGeom prst="ellipse">
+              <a:avLst/>
+            </a:prstGeom>
+            <a:solidFill>
+              <a:srgbClr val="FF0000">
+                <a:alpha val="67000"/>
+              </a:srgbClr>
+            </a:solidFill>
+            <a:ln>
+              <a:noFill/>
+            </a:ln>
+          </p:spPr>
+          <p:style>
+            <a:lnRef idx="2">
+              <a:schemeClr val="accent1">
+                <a:shade val="50000"/>
+              </a:schemeClr>
+            </a:lnRef>
+            <a:fillRef idx="1">
+              <a:schemeClr val="accent1"/>
+            </a:fillRef>
+            <a:effectRef idx="0">
+              <a:schemeClr val="accent1"/>
+            </a:effectRef>
+            <a:fontRef idx="minor">
+              <a:schemeClr val="lt1"/>
+            </a:fontRef>
+          </p:style>
+          <p:txBody>
+            <a:bodyPr rtlCol="0" anchor="ctr"/>
+            <a:lstStyle/>
+            <a:p>
+              <a:pPr algn="ctr"/>
+              <a:endParaRPr lang="zh-CN" altLang="en-US"/>
+            </a:p>
+          </p:txBody>
+        </p:sp>
+        <p:grpSp>
+          <p:nvGrpSpPr>
+            <p:cNvPr id="25" name="组合 24">
+              <a:extLst>
+                <a:ext uri="{FF2B5EF4-FFF2-40B4-BE49-F238E27FC236}">
+                  <a16:creationId xmlns:a16="http://schemas.microsoft.com/office/drawing/2014/main" id="{C3C36709-511E-499E-A414-C606EB0ECF9A}"/>
+                </a:ext>
+              </a:extLst>
+            </p:cNvPr>
+            <p:cNvGrpSpPr/>
+            <p:nvPr/>
+          </p:nvGrpSpPr>
+          <p:grpSpPr>
+            <a:xfrm>
+              <a:off x="2935740" y="3404186"/>
+              <a:ext cx="1960347" cy="1964545"/>
+              <a:chOff x="2935740" y="3404186"/>
+              <a:chExt cx="1960347" cy="1964545"/>
+            </a:xfrm>
+            <a:gradFill flip="none" rotWithShape="1">
+              <a:gsLst>
+                <a:gs pos="0">
+                  <a:srgbClr val="FF0000"/>
+                </a:gs>
+                <a:gs pos="29000">
+                  <a:schemeClr val="accent2">
+                    <a:lumMod val="60000"/>
+                    <a:lumOff val="40000"/>
+                  </a:schemeClr>
+                </a:gs>
+                <a:gs pos="74000">
+                  <a:schemeClr val="accent1">
+                    <a:lumMod val="30000"/>
+                    <a:lumOff val="70000"/>
+                  </a:schemeClr>
+                </a:gs>
+              </a:gsLst>
+              <a:path path="circle">
+                <a:fillToRect l="50000" t="50000" r="50000" b="50000"/>
+              </a:path>
+              <a:tileRect/>
+            </a:gradFill>
+          </p:grpSpPr>
+          <p:sp>
+            <p:nvSpPr>
+              <p:cNvPr id="7" name="椭圆 6">
+                <a:extLst>
+                  <a:ext uri="{FF2B5EF4-FFF2-40B4-BE49-F238E27FC236}">
+                    <a16:creationId xmlns:a16="http://schemas.microsoft.com/office/drawing/2014/main" id="{5146C8F2-D077-4BD4-ABA5-EE9DB4A773A5}"/>
+                  </a:ext>
+                </a:extLst>
+              </p:cNvPr>
+              <p:cNvSpPr/>
+              <p:nvPr/>
+            </p:nvSpPr>
+            <p:spPr>
+              <a:xfrm>
+                <a:off x="2935740" y="3589705"/>
+                <a:ext cx="995536" cy="995536"/>
+              </a:xfrm>
+              <a:prstGeom prst="ellipse">
+                <a:avLst/>
+              </a:prstGeom>
+              <a:grpFill/>
+              <a:ln>
+                <a:noFill/>
+              </a:ln>
+            </p:spPr>
+            <p:style>
+              <a:lnRef idx="2">
+                <a:schemeClr val="accent1">
+                  <a:shade val="50000"/>
+                </a:schemeClr>
+              </a:lnRef>
+              <a:fillRef idx="1">
+                <a:schemeClr val="accent1"/>
+              </a:fillRef>
+              <a:effectRef idx="0">
+                <a:schemeClr val="accent1"/>
+              </a:effectRef>
+              <a:fontRef idx="minor">
+                <a:schemeClr val="lt1"/>
+              </a:fontRef>
+            </p:style>
+            <p:txBody>
+              <a:bodyPr rtlCol="0" anchor="ctr"/>
+              <a:lstStyle/>
+              <a:p>
+                <a:pPr algn="ctr"/>
+                <a:endParaRPr lang="zh-CN" altLang="en-US"/>
+              </a:p>
+            </p:txBody>
+          </p:sp>
+          <p:sp>
+            <p:nvSpPr>
+              <p:cNvPr id="23" name="椭圆 22">
+                <a:extLst>
+                  <a:ext uri="{FF2B5EF4-FFF2-40B4-BE49-F238E27FC236}">
+                    <a16:creationId xmlns:a16="http://schemas.microsoft.com/office/drawing/2014/main" id="{924A547F-C13D-4EF0-BE74-B92CDF30C661}"/>
+                  </a:ext>
+                </a:extLst>
+              </p:cNvPr>
+              <p:cNvSpPr/>
+              <p:nvPr/>
+            </p:nvSpPr>
+            <p:spPr>
+              <a:xfrm>
+                <a:off x="3517960" y="3404186"/>
+                <a:ext cx="1378127" cy="1378127"/>
+              </a:xfrm>
+              <a:prstGeom prst="ellipse">
+                <a:avLst/>
+              </a:prstGeom>
+              <a:grpFill/>
+              <a:ln>
+                <a:noFill/>
+              </a:ln>
+            </p:spPr>
+            <p:style>
+              <a:lnRef idx="2">
+                <a:schemeClr val="accent1">
+                  <a:shade val="50000"/>
+                </a:schemeClr>
+              </a:lnRef>
+              <a:fillRef idx="1">
+                <a:schemeClr val="accent1"/>
+              </a:fillRef>
+              <a:effectRef idx="0">
+                <a:schemeClr val="accent1"/>
+              </a:effectRef>
+              <a:fontRef idx="minor">
+                <a:schemeClr val="lt1"/>
+              </a:fontRef>
+            </p:style>
+            <p:txBody>
+              <a:bodyPr rtlCol="0" anchor="ctr"/>
+              <a:lstStyle/>
+              <a:p>
+                <a:pPr algn="ctr"/>
+                <a:endParaRPr lang="zh-CN" altLang="en-US"/>
+              </a:p>
+            </p:txBody>
+          </p:sp>
+          <p:sp>
+            <p:nvSpPr>
+              <p:cNvPr id="24" name="椭圆 23">
+                <a:extLst>
+                  <a:ext uri="{FF2B5EF4-FFF2-40B4-BE49-F238E27FC236}">
+                    <a16:creationId xmlns:a16="http://schemas.microsoft.com/office/drawing/2014/main" id="{5E84BBEF-1A36-4EF5-800B-71430B134E50}"/>
+                  </a:ext>
+                </a:extLst>
+              </p:cNvPr>
+              <p:cNvSpPr/>
+              <p:nvPr/>
+            </p:nvSpPr>
+            <p:spPr>
+              <a:xfrm>
+                <a:off x="2954083" y="3990604"/>
+                <a:ext cx="1378127" cy="1378127"/>
+              </a:xfrm>
+              <a:prstGeom prst="ellipse">
+                <a:avLst/>
+              </a:prstGeom>
+              <a:grpFill/>
+              <a:ln>
+                <a:noFill/>
+              </a:ln>
+            </p:spPr>
+            <p:style>
+              <a:lnRef idx="2">
+                <a:schemeClr val="accent1">
+                  <a:shade val="50000"/>
+                </a:schemeClr>
+              </a:lnRef>
+              <a:fillRef idx="1">
+                <a:schemeClr val="accent1"/>
+              </a:fillRef>
+              <a:effectRef idx="0">
+                <a:schemeClr val="accent1"/>
+              </a:effectRef>
+              <a:fontRef idx="minor">
+                <a:schemeClr val="lt1"/>
+              </a:fontRef>
+            </p:style>
+            <p:txBody>
+              <a:bodyPr rtlCol="0" anchor="ctr"/>
+              <a:lstStyle/>
+              <a:p>
+                <a:pPr algn="ctr"/>
+                <a:endParaRPr lang="zh-CN" altLang="en-US"/>
+              </a:p>
+            </p:txBody>
+          </p:sp>
+        </p:grpSp>
+        <p:sp>
+          <p:nvSpPr>
+            <p:cNvPr id="26" name="椭圆 25">
+              <a:extLst>
+                <a:ext uri="{FF2B5EF4-FFF2-40B4-BE49-F238E27FC236}">
+                  <a16:creationId xmlns:a16="http://schemas.microsoft.com/office/drawing/2014/main" id="{62731E43-5FF2-4326-AE6B-99237C6B4BF3}"/>
+                </a:ext>
+              </a:extLst>
+            </p:cNvPr>
+            <p:cNvSpPr/>
+            <p:nvPr/>
+          </p:nvSpPr>
+          <p:spPr>
+            <a:xfrm>
+              <a:off x="4283149" y="4735031"/>
+              <a:ext cx="116958" cy="116958"/>
+            </a:xfrm>
+            <a:prstGeom prst="ellipse">
+              <a:avLst/>
+            </a:prstGeom>
+            <a:solidFill>
+              <a:srgbClr val="FF0000">
+                <a:alpha val="67000"/>
+              </a:srgbClr>
+            </a:solidFill>
+            <a:ln>
+              <a:noFill/>
+            </a:ln>
+          </p:spPr>
+          <p:style>
+            <a:lnRef idx="2">
+              <a:schemeClr val="accent1">
+                <a:shade val="50000"/>
+              </a:schemeClr>
+            </a:lnRef>
+            <a:fillRef idx="1">
+              <a:schemeClr val="accent1"/>
+            </a:fillRef>
+            <a:effectRef idx="0">
+              <a:schemeClr val="accent1"/>
+            </a:effectRef>
+            <a:fontRef idx="minor">
+              <a:schemeClr val="lt1"/>
+            </a:fontRef>
+          </p:style>
+          <p:txBody>
+            <a:bodyPr rtlCol="0" anchor="ctr"/>
+            <a:lstStyle/>
+            <a:p>
+              <a:pPr algn="ctr"/>
+              <a:endParaRPr lang="zh-CN" altLang="en-US"/>
+            </a:p>
+          </p:txBody>
+        </p:sp>
+      </p:grpSp>
+    </p:spTree>
+    <p:extLst>
+      <p:ext uri="{BB962C8B-B14F-4D97-AF65-F5344CB8AC3E}">
+        <p14:creationId xmlns:p14="http://schemas.microsoft.com/office/powerpoint/2010/main" val="4100623244"/>
+      </p:ext>
+    </p:extLst>
+  </p:cSld>
+  <p:clrMapOvr>
+    <a:masterClrMapping/>
+  </p:clrMapOvr>
+</p:sld>
+</file>
+
+<file path=ppt/slides/slide3.xml><?xml version="1.0" encoding="utf-8"?>
+<p:sld xmlns:a="http://schemas.openxmlformats.org/drawingml/2006/main" xmlns:r="http://schemas.openxmlformats.org/officeDocument/2006/relationships" xmlns:p="http://schemas.openxmlformats.org/presentationml/2006/main">
+  <p:cSld>
+    <p:spTree>
+      <p:nvGrpSpPr>
+        <p:cNvPr id="1" name=""/>
+        <p:cNvGrpSpPr/>
+        <p:nvPr/>
+      </p:nvGrpSpPr>
+      <p:grpSpPr>
+        <a:xfrm>
+          <a:off x="0" y="0"/>
+          <a:ext cx="0" cy="0"/>
+          <a:chOff x="0" y="0"/>
+          <a:chExt cx="0" cy="0"/>
+        </a:xfrm>
+      </p:grpSpPr>
+      <p:grpSp>
+        <p:nvGrpSpPr>
+          <p:cNvPr id="16" name="组合 15">
+            <a:extLst>
+              <a:ext uri="{FF2B5EF4-FFF2-40B4-BE49-F238E27FC236}">
+                <a16:creationId xmlns:a16="http://schemas.microsoft.com/office/drawing/2014/main" id="{A160D1E3-E19B-4DDF-BEA6-EE27C5EAA733}"/>
+              </a:ext>
+            </a:extLst>
+          </p:cNvPr>
+          <p:cNvGrpSpPr/>
+          <p:nvPr/>
+        </p:nvGrpSpPr>
+        <p:grpSpPr>
+          <a:xfrm>
+            <a:off x="0" y="0"/>
+            <a:ext cx="9027368" cy="6858000"/>
+            <a:chOff x="0" y="0"/>
+            <a:chExt cx="9027368" cy="6858000"/>
+          </a:xfrm>
+        </p:grpSpPr>
+        <p:pic>
+          <p:nvPicPr>
+            <p:cNvPr id="2" name="图片 1" descr="屏幕剪辑">
+              <a:extLst>
+                <a:ext uri="{FF2B5EF4-FFF2-40B4-BE49-F238E27FC236}">
+                  <a16:creationId xmlns:a16="http://schemas.microsoft.com/office/drawing/2014/main" id="{1DFFD781-324E-49F4-9ADD-505D14238554}"/>
+                </a:ext>
+              </a:extLst>
+            </p:cNvPr>
+            <p:cNvPicPr>
+              <a:picLocks noChangeAspect="1"/>
+            </p:cNvPicPr>
+            <p:nvPr/>
+          </p:nvPicPr>
+          <p:blipFill>
+            <a:blip r:embed="rId3">
+              <a:extLst>
+                <a:ext uri="{28A0092B-C50C-407E-A947-70E740481C1C}">
+                  <a14:useLocalDpi xmlns:a14="http://schemas.microsoft.com/office/drawing/2010/main" val="0"/>
+                </a:ext>
+              </a:extLst>
+            </a:blip>
+            <a:stretch>
+              <a:fillRect/>
+            </a:stretch>
+          </p:blipFill>
+          <p:spPr>
+            <a:xfrm>
+              <a:off x="0" y="0"/>
+              <a:ext cx="9027368" cy="6858000"/>
+            </a:xfrm>
+            <a:prstGeom prst="rect">
+              <a:avLst/>
+            </a:prstGeom>
+          </p:spPr>
+        </p:pic>
+        <p:grpSp>
+          <p:nvGrpSpPr>
+            <p:cNvPr id="9" name="组合 8">
+              <a:extLst>
+                <a:ext uri="{FF2B5EF4-FFF2-40B4-BE49-F238E27FC236}">
+                  <a16:creationId xmlns:a16="http://schemas.microsoft.com/office/drawing/2014/main" id="{FA46292D-7D89-4470-B17F-2B3BC9E495EE}"/>
+                </a:ext>
+              </a:extLst>
+            </p:cNvPr>
+            <p:cNvGrpSpPr/>
+            <p:nvPr/>
+          </p:nvGrpSpPr>
+          <p:grpSpPr>
+            <a:xfrm>
+              <a:off x="2463031" y="3130242"/>
+              <a:ext cx="1703429" cy="1870482"/>
+              <a:chOff x="2292905" y="2970753"/>
+              <a:chExt cx="1703429" cy="1870482"/>
+            </a:xfrm>
+            <a:gradFill>
+              <a:gsLst>
+                <a:gs pos="0">
+                  <a:srgbClr val="FF0000"/>
+                </a:gs>
+                <a:gs pos="29000">
+                  <a:schemeClr val="accent2">
+                    <a:lumMod val="60000"/>
+                    <a:lumOff val="40000"/>
+                  </a:schemeClr>
+                </a:gs>
+                <a:gs pos="74000">
+                  <a:schemeClr val="accent1">
+                    <a:lumMod val="30000"/>
+                    <a:lumOff val="70000"/>
+                  </a:schemeClr>
+                </a:gs>
+              </a:gsLst>
+              <a:path path="circle">
+                <a:fillToRect l="50000" t="50000" r="50000" b="50000"/>
+              </a:path>
+            </a:gradFill>
+          </p:grpSpPr>
+          <p:grpSp>
+            <p:nvGrpSpPr>
+              <p:cNvPr id="8" name="组合 7">
+                <a:extLst>
+                  <a:ext uri="{FF2B5EF4-FFF2-40B4-BE49-F238E27FC236}">
+                    <a16:creationId xmlns:a16="http://schemas.microsoft.com/office/drawing/2014/main" id="{76EFCC40-A499-4356-9A17-7AEC8151FABB}"/>
+                  </a:ext>
+                </a:extLst>
+              </p:cNvPr>
+              <p:cNvGrpSpPr/>
+              <p:nvPr/>
+            </p:nvGrpSpPr>
+            <p:grpSpPr>
+              <a:xfrm>
+                <a:off x="2292905" y="3052679"/>
+                <a:ext cx="1703429" cy="1788556"/>
+                <a:chOff x="2292905" y="3052679"/>
+                <a:chExt cx="1703429" cy="1788556"/>
+              </a:xfrm>
+              <a:grpFill/>
+            </p:grpSpPr>
+            <p:sp>
+              <p:nvSpPr>
+                <p:cNvPr id="4" name="椭圆 3">
+                  <a:extLst>
+                    <a:ext uri="{FF2B5EF4-FFF2-40B4-BE49-F238E27FC236}">
+                      <a16:creationId xmlns:a16="http://schemas.microsoft.com/office/drawing/2014/main" id="{8A7972CC-4DA5-4D02-9663-D245C26BDA9D}"/>
+                    </a:ext>
+                  </a:extLst>
+                </p:cNvPr>
+                <p:cNvSpPr/>
+                <p:nvPr/>
+              </p:nvSpPr>
+              <p:spPr>
+                <a:xfrm>
+                  <a:off x="2292905" y="3278077"/>
+                  <a:ext cx="891980" cy="891980"/>
+                </a:xfrm>
+                <a:prstGeom prst="ellipse">
+                  <a:avLst/>
+                </a:prstGeom>
+                <a:grpFill/>
+                <a:ln>
+                  <a:noFill/>
+                </a:ln>
+              </p:spPr>
+              <p:style>
+                <a:lnRef idx="2">
+                  <a:schemeClr val="accent1">
+                    <a:shade val="50000"/>
+                  </a:schemeClr>
+                </a:lnRef>
+                <a:fillRef idx="1">
+                  <a:schemeClr val="accent1"/>
+                </a:fillRef>
+                <a:effectRef idx="0">
+                  <a:schemeClr val="accent1"/>
+                </a:effectRef>
+                <a:fontRef idx="minor">
+                  <a:schemeClr val="lt1"/>
+                </a:fontRef>
+              </p:style>
+              <p:txBody>
+                <a:bodyPr rtlCol="0" anchor="ctr"/>
+                <a:lstStyle/>
+                <a:p>
+                  <a:pPr algn="ctr"/>
+                  <a:endParaRPr lang="zh-CN" altLang="en-US"/>
+                </a:p>
+              </p:txBody>
+            </p:sp>
+            <p:sp>
+              <p:nvSpPr>
+                <p:cNvPr id="5" name="椭圆 4">
+                  <a:extLst>
+                    <a:ext uri="{FF2B5EF4-FFF2-40B4-BE49-F238E27FC236}">
+                      <a16:creationId xmlns:a16="http://schemas.microsoft.com/office/drawing/2014/main" id="{3267C378-8FE4-4282-ADC1-DACFDAB1C0A2}"/>
+                    </a:ext>
+                  </a:extLst>
+                </p:cNvPr>
+                <p:cNvSpPr/>
+                <p:nvPr/>
+              </p:nvSpPr>
+              <p:spPr>
+                <a:xfrm>
+                  <a:off x="3009844" y="3052679"/>
+                  <a:ext cx="986490" cy="986490"/>
+                </a:xfrm>
+                <a:prstGeom prst="ellipse">
+                  <a:avLst/>
+                </a:prstGeom>
+                <a:grpFill/>
+                <a:ln>
+                  <a:noFill/>
+                </a:ln>
+              </p:spPr>
+              <p:style>
+                <a:lnRef idx="2">
+                  <a:schemeClr val="accent1">
+                    <a:shade val="50000"/>
+                  </a:schemeClr>
+                </a:lnRef>
+                <a:fillRef idx="1">
+                  <a:schemeClr val="accent1"/>
+                </a:fillRef>
+                <a:effectRef idx="0">
+                  <a:schemeClr val="accent1"/>
+                </a:effectRef>
+                <a:fontRef idx="minor">
+                  <a:schemeClr val="lt1"/>
+                </a:fontRef>
+              </p:style>
+              <p:txBody>
+                <a:bodyPr rtlCol="0" anchor="ctr"/>
+                <a:lstStyle/>
+                <a:p>
+                  <a:pPr algn="ctr"/>
+                  <a:endParaRPr lang="zh-CN" altLang="en-US"/>
+                </a:p>
+              </p:txBody>
+            </p:sp>
+            <p:sp>
+              <p:nvSpPr>
+                <p:cNvPr id="6" name="椭圆 5">
+                  <a:extLst>
+                    <a:ext uri="{FF2B5EF4-FFF2-40B4-BE49-F238E27FC236}">
+                      <a16:creationId xmlns:a16="http://schemas.microsoft.com/office/drawing/2014/main" id="{5FA5EAE0-8047-4638-BA23-0C0F12FD6436}"/>
+                    </a:ext>
+                  </a:extLst>
+                </p:cNvPr>
+                <p:cNvSpPr/>
+                <p:nvPr/>
+              </p:nvSpPr>
+              <p:spPr>
+                <a:xfrm>
+                  <a:off x="2419279" y="3757425"/>
+                  <a:ext cx="1083810" cy="1083810"/>
+                </a:xfrm>
+                <a:prstGeom prst="ellipse">
+                  <a:avLst/>
+                </a:prstGeom>
+                <a:grpFill/>
+                <a:ln>
+                  <a:noFill/>
+                </a:ln>
+              </p:spPr>
+              <p:style>
+                <a:lnRef idx="2">
+                  <a:schemeClr val="accent1">
+                    <a:shade val="50000"/>
+                  </a:schemeClr>
+                </a:lnRef>
+                <a:fillRef idx="1">
+                  <a:schemeClr val="accent1"/>
+                </a:fillRef>
+                <a:effectRef idx="0">
+                  <a:schemeClr val="accent1"/>
+                </a:effectRef>
+                <a:fontRef idx="minor">
+                  <a:schemeClr val="lt1"/>
+                </a:fontRef>
+              </p:style>
+              <p:txBody>
+                <a:bodyPr rtlCol="0" anchor="ctr"/>
+                <a:lstStyle/>
+                <a:p>
+                  <a:pPr algn="ctr"/>
+                  <a:endParaRPr lang="zh-CN" altLang="en-US"/>
+                </a:p>
+              </p:txBody>
+            </p:sp>
+          </p:grpSp>
+          <p:sp>
+            <p:nvSpPr>
+              <p:cNvPr id="7" name="椭圆 6">
+                <a:extLst>
+                  <a:ext uri="{FF2B5EF4-FFF2-40B4-BE49-F238E27FC236}">
+                    <a16:creationId xmlns:a16="http://schemas.microsoft.com/office/drawing/2014/main" id="{3E261E08-7129-439F-8493-B41175243CA3}"/>
+                  </a:ext>
+                </a:extLst>
+              </p:cNvPr>
+              <p:cNvSpPr/>
+              <p:nvPr/>
+            </p:nvSpPr>
+            <p:spPr>
+              <a:xfrm>
+                <a:off x="2712969" y="2970753"/>
+                <a:ext cx="916494" cy="916494"/>
+              </a:xfrm>
+              <a:prstGeom prst="ellipse">
+                <a:avLst/>
+              </a:prstGeom>
+              <a:grpFill/>
+              <a:ln>
+                <a:noFill/>
+              </a:ln>
+            </p:spPr>
+            <p:style>
+              <a:lnRef idx="2">
+                <a:schemeClr val="accent1">
+                  <a:shade val="50000"/>
+                </a:schemeClr>
+              </a:lnRef>
+              <a:fillRef idx="1">
+                <a:schemeClr val="accent1"/>
+              </a:fillRef>
+              <a:effectRef idx="0">
+                <a:schemeClr val="accent1"/>
+              </a:effectRef>
+              <a:fontRef idx="minor">
+                <a:schemeClr val="lt1"/>
+              </a:fontRef>
+            </p:style>
+            <p:txBody>
+              <a:bodyPr rtlCol="0" anchor="ctr"/>
+              <a:lstStyle/>
+              <a:p>
+                <a:pPr algn="ctr"/>
+                <a:endParaRPr lang="zh-CN" altLang="en-US"/>
+              </a:p>
+            </p:txBody>
+          </p:sp>
+        </p:grpSp>
+        <p:sp>
+          <p:nvSpPr>
+            <p:cNvPr id="10" name="椭圆 9">
+              <a:extLst>
+                <a:ext uri="{FF2B5EF4-FFF2-40B4-BE49-F238E27FC236}">
+                  <a16:creationId xmlns:a16="http://schemas.microsoft.com/office/drawing/2014/main" id="{919E732A-321D-4780-8002-975D978B425B}"/>
+                </a:ext>
+              </a:extLst>
+            </p:cNvPr>
+            <p:cNvSpPr/>
+            <p:nvPr/>
+          </p:nvSpPr>
+          <p:spPr>
+            <a:xfrm>
+              <a:off x="3141923" y="3083436"/>
+              <a:ext cx="116958" cy="116958"/>
+            </a:xfrm>
+            <a:prstGeom prst="ellipse">
+              <a:avLst/>
+            </a:prstGeom>
+            <a:solidFill>
+              <a:srgbClr val="FF0000">
+                <a:alpha val="67000"/>
+              </a:srgbClr>
+            </a:solidFill>
+            <a:ln>
+              <a:noFill/>
+            </a:ln>
+          </p:spPr>
+          <p:style>
+            <a:lnRef idx="2">
+              <a:schemeClr val="accent1">
+                <a:shade val="50000"/>
+              </a:schemeClr>
+            </a:lnRef>
+            <a:fillRef idx="1">
+              <a:schemeClr val="accent1"/>
+            </a:fillRef>
+            <a:effectRef idx="0">
+              <a:schemeClr val="accent1"/>
+            </a:effectRef>
+            <a:fontRef idx="minor">
+              <a:schemeClr val="lt1"/>
+            </a:fontRef>
+          </p:style>
+          <p:txBody>
+            <a:bodyPr rtlCol="0" anchor="ctr"/>
+            <a:lstStyle/>
+            <a:p>
+              <a:pPr algn="ctr"/>
+              <a:endParaRPr lang="zh-CN" altLang="en-US"/>
+            </a:p>
+          </p:txBody>
+        </p:sp>
+        <p:sp>
+          <p:nvSpPr>
+            <p:cNvPr id="11" name="椭圆 10">
+              <a:extLst>
+                <a:ext uri="{FF2B5EF4-FFF2-40B4-BE49-F238E27FC236}">
+                  <a16:creationId xmlns:a16="http://schemas.microsoft.com/office/drawing/2014/main" id="{357BC2F5-07E5-4E99-9C1D-C27574B53904}"/>
+                </a:ext>
+              </a:extLst>
+            </p:cNvPr>
+            <p:cNvSpPr/>
+            <p:nvPr/>
+          </p:nvSpPr>
+          <p:spPr>
+            <a:xfrm>
+              <a:off x="3889747" y="3267737"/>
+              <a:ext cx="116958" cy="116958"/>
+            </a:xfrm>
+            <a:prstGeom prst="ellipse">
+              <a:avLst/>
+            </a:prstGeom>
+            <a:solidFill>
+              <a:srgbClr val="FF0000">
+                <a:alpha val="67000"/>
+              </a:srgbClr>
+            </a:solidFill>
+            <a:ln>
+              <a:noFill/>
+            </a:ln>
+          </p:spPr>
+          <p:style>
+            <a:lnRef idx="2">
+              <a:schemeClr val="accent1">
+                <a:shade val="50000"/>
+              </a:schemeClr>
+            </a:lnRef>
+            <a:fillRef idx="1">
+              <a:schemeClr val="accent1"/>
+            </a:fillRef>
+            <a:effectRef idx="0">
+              <a:schemeClr val="accent1"/>
+            </a:effectRef>
+            <a:fontRef idx="minor">
+              <a:schemeClr val="lt1"/>
+            </a:fontRef>
+          </p:style>
+          <p:txBody>
+            <a:bodyPr rtlCol="0" anchor="ctr"/>
+            <a:lstStyle/>
+            <a:p>
+              <a:pPr algn="ctr"/>
+              <a:endParaRPr lang="zh-CN" altLang="en-US"/>
+            </a:p>
+          </p:txBody>
+        </p:sp>
+        <p:sp>
+          <p:nvSpPr>
+            <p:cNvPr id="12" name="椭圆 11">
+              <a:extLst>
+                <a:ext uri="{FF2B5EF4-FFF2-40B4-BE49-F238E27FC236}">
+                  <a16:creationId xmlns:a16="http://schemas.microsoft.com/office/drawing/2014/main" id="{AEEA1445-7528-4DD3-8957-5AC95FC77789}"/>
+                </a:ext>
+              </a:extLst>
+            </p:cNvPr>
+            <p:cNvSpPr/>
+            <p:nvPr/>
+          </p:nvSpPr>
+          <p:spPr>
+            <a:xfrm>
+              <a:off x="4088223" y="3721396"/>
+              <a:ext cx="116958" cy="116958"/>
+            </a:xfrm>
+            <a:prstGeom prst="ellipse">
+              <a:avLst/>
+            </a:prstGeom>
+            <a:solidFill>
+              <a:srgbClr val="FF0000">
+                <a:alpha val="67000"/>
+              </a:srgbClr>
+            </a:solidFill>
+            <a:ln>
+              <a:noFill/>
+            </a:ln>
+          </p:spPr>
+          <p:style>
+            <a:lnRef idx="2">
+              <a:schemeClr val="accent1">
+                <a:shade val="50000"/>
+              </a:schemeClr>
+            </a:lnRef>
+            <a:fillRef idx="1">
+              <a:schemeClr val="accent1"/>
+            </a:fillRef>
+            <a:effectRef idx="0">
+              <a:schemeClr val="accent1"/>
+            </a:effectRef>
+            <a:fontRef idx="minor">
+              <a:schemeClr val="lt1"/>
+            </a:fontRef>
+          </p:style>
+          <p:txBody>
+            <a:bodyPr rtlCol="0" anchor="ctr"/>
+            <a:lstStyle/>
+            <a:p>
+              <a:pPr algn="ctr"/>
+              <a:endParaRPr lang="zh-CN" altLang="en-US"/>
+            </a:p>
+          </p:txBody>
+        </p:sp>
+        <p:sp>
+          <p:nvSpPr>
+            <p:cNvPr id="13" name="椭圆 12">
+              <a:extLst>
+                <a:ext uri="{FF2B5EF4-FFF2-40B4-BE49-F238E27FC236}">
+                  <a16:creationId xmlns:a16="http://schemas.microsoft.com/office/drawing/2014/main" id="{A0DF9C83-E271-4C2F-8B7E-676F73BC5C09}"/>
+                </a:ext>
+              </a:extLst>
+            </p:cNvPr>
+            <p:cNvSpPr/>
+            <p:nvPr/>
+          </p:nvSpPr>
+          <p:spPr>
+            <a:xfrm>
+              <a:off x="3067492" y="4922877"/>
+              <a:ext cx="116958" cy="116958"/>
+            </a:xfrm>
+            <a:prstGeom prst="ellipse">
+              <a:avLst/>
+            </a:prstGeom>
+            <a:solidFill>
+              <a:srgbClr val="FF0000">
+                <a:alpha val="67000"/>
+              </a:srgbClr>
+            </a:solidFill>
+            <a:ln>
+              <a:noFill/>
+            </a:ln>
+          </p:spPr>
+          <p:style>
+            <a:lnRef idx="2">
+              <a:schemeClr val="accent1">
+                <a:shade val="50000"/>
+              </a:schemeClr>
+            </a:lnRef>
+            <a:fillRef idx="1">
+              <a:schemeClr val="accent1"/>
+            </a:fillRef>
+            <a:effectRef idx="0">
+              <a:schemeClr val="accent1"/>
+            </a:effectRef>
+            <a:fontRef idx="minor">
+              <a:schemeClr val="lt1"/>
+            </a:fontRef>
+          </p:style>
+          <p:txBody>
+            <a:bodyPr rtlCol="0" anchor="ctr"/>
+            <a:lstStyle/>
+            <a:p>
+              <a:pPr algn="ctr"/>
+              <a:endParaRPr lang="zh-CN" altLang="en-US"/>
+            </a:p>
+          </p:txBody>
+        </p:sp>
+        <p:sp>
+          <p:nvSpPr>
+            <p:cNvPr id="14" name="椭圆 13">
+              <a:extLst>
+                <a:ext uri="{FF2B5EF4-FFF2-40B4-BE49-F238E27FC236}">
+                  <a16:creationId xmlns:a16="http://schemas.microsoft.com/office/drawing/2014/main" id="{A3216DBE-C974-4674-8FE3-8D80977AD2D6}"/>
+                </a:ext>
+              </a:extLst>
+            </p:cNvPr>
+            <p:cNvSpPr/>
+            <p:nvPr/>
+          </p:nvSpPr>
+          <p:spPr>
+            <a:xfrm>
+              <a:off x="2365750" y="3732030"/>
+              <a:ext cx="116958" cy="116958"/>
+            </a:xfrm>
+            <a:prstGeom prst="ellipse">
+              <a:avLst/>
+            </a:prstGeom>
+            <a:solidFill>
+              <a:srgbClr val="FF0000">
+                <a:alpha val="67000"/>
+              </a:srgbClr>
+            </a:solidFill>
+            <a:ln>
+              <a:noFill/>
+            </a:ln>
+          </p:spPr>
+          <p:style>
+            <a:lnRef idx="2">
+              <a:schemeClr val="accent1">
+                <a:shade val="50000"/>
+              </a:schemeClr>
+            </a:lnRef>
+            <a:fillRef idx="1">
+              <a:schemeClr val="accent1"/>
+            </a:fillRef>
+            <a:effectRef idx="0">
+              <a:schemeClr val="accent1"/>
+            </a:effectRef>
+            <a:fontRef idx="minor">
+              <a:schemeClr val="lt1"/>
+            </a:fontRef>
+          </p:style>
+          <p:txBody>
+            <a:bodyPr rtlCol="0" anchor="ctr"/>
+            <a:lstStyle/>
+            <a:p>
+              <a:pPr algn="ctr"/>
+              <a:endParaRPr lang="zh-CN" altLang="en-US"/>
+            </a:p>
+          </p:txBody>
+        </p:sp>
+        <p:sp>
+          <p:nvSpPr>
+            <p:cNvPr id="15" name="椭圆 14">
+              <a:extLst>
+                <a:ext uri="{FF2B5EF4-FFF2-40B4-BE49-F238E27FC236}">
+                  <a16:creationId xmlns:a16="http://schemas.microsoft.com/office/drawing/2014/main" id="{C4764019-2B51-47E4-9CC8-1649A6044217}"/>
+                </a:ext>
+              </a:extLst>
+            </p:cNvPr>
+            <p:cNvSpPr/>
+            <p:nvPr/>
+          </p:nvSpPr>
+          <p:spPr>
+            <a:xfrm>
+              <a:off x="3620388" y="4369981"/>
+              <a:ext cx="116958" cy="116958"/>
+            </a:xfrm>
+            <a:prstGeom prst="ellipse">
+              <a:avLst/>
+            </a:prstGeom>
+            <a:solidFill>
+              <a:srgbClr val="FF0000">
+                <a:alpha val="67000"/>
+              </a:srgbClr>
+            </a:solidFill>
+            <a:ln>
+              <a:noFill/>
+            </a:ln>
+          </p:spPr>
+          <p:style>
+            <a:lnRef idx="2">
+              <a:schemeClr val="accent1">
+                <a:shade val="50000"/>
+              </a:schemeClr>
+            </a:lnRef>
+            <a:fillRef idx="1">
+              <a:schemeClr val="accent1"/>
+            </a:fillRef>
+            <a:effectRef idx="0">
+              <a:schemeClr val="accent1"/>
+            </a:effectRef>
+            <a:fontRef idx="minor">
+              <a:schemeClr val="lt1"/>
+            </a:fontRef>
+          </p:style>
+          <p:txBody>
+            <a:bodyPr rtlCol="0" anchor="ctr"/>
+            <a:lstStyle/>
+            <a:p>
+              <a:pPr algn="ctr"/>
+              <a:endParaRPr lang="zh-CN" altLang="en-US"/>
+            </a:p>
+          </p:txBody>
+        </p:sp>
+      </p:grpSp>
+    </p:spTree>
+    <p:extLst>
+      <p:ext uri="{BB962C8B-B14F-4D97-AF65-F5344CB8AC3E}">
+        <p14:creationId xmlns:p14="http://schemas.microsoft.com/office/powerpoint/2010/main" val="559342184"/>
+      </p:ext>
+    </p:extLst>
+  </p:cSld>
+  <p:clrMapOvr>
+    <a:masterClrMapping/>
+  </p:clrMapOvr>
+</p:sld>
+</file>
+
+<file path=ppt/slides/slide4.xml><?xml version="1.0" encoding="utf-8"?>
+<p:sld xmlns:a="http://schemas.openxmlformats.org/drawingml/2006/main" xmlns:r="http://schemas.openxmlformats.org/officeDocument/2006/relationships" xmlns:p="http://schemas.openxmlformats.org/presentationml/2006/main">
+  <p:cSld>
+    <p:spTree>
+      <p:nvGrpSpPr>
+        <p:cNvPr id="1" name=""/>
+        <p:cNvGrpSpPr/>
+        <p:nvPr/>
+      </p:nvGrpSpPr>
+      <p:grpSpPr>
+        <a:xfrm>
+          <a:off x="0" y="0"/>
+          <a:ext cx="0" cy="0"/>
+          <a:chOff x="0" y="0"/>
+          <a:chExt cx="0" cy="0"/>
+        </a:xfrm>
+      </p:grpSpPr>
+      <p:grpSp>
+        <p:nvGrpSpPr>
+          <p:cNvPr id="16" name="组合 15">
+            <a:extLst>
+              <a:ext uri="{FF2B5EF4-FFF2-40B4-BE49-F238E27FC236}">
+                <a16:creationId xmlns:a16="http://schemas.microsoft.com/office/drawing/2014/main" id="{D85A4D30-C535-4210-A522-33F7029B1FF3}"/>
+              </a:ext>
+            </a:extLst>
+          </p:cNvPr>
+          <p:cNvGrpSpPr/>
+          <p:nvPr/>
+        </p:nvGrpSpPr>
+        <p:grpSpPr>
+          <a:xfrm>
+            <a:off x="0" y="0"/>
+            <a:ext cx="9027368" cy="6858000"/>
+            <a:chOff x="0" y="0"/>
+            <a:chExt cx="9027368" cy="6858000"/>
+          </a:xfrm>
+        </p:grpSpPr>
+        <p:pic>
+          <p:nvPicPr>
+            <p:cNvPr id="2" name="图片 1" descr="屏幕剪辑">
+              <a:extLst>
+                <a:ext uri="{FF2B5EF4-FFF2-40B4-BE49-F238E27FC236}">
+                  <a16:creationId xmlns:a16="http://schemas.microsoft.com/office/drawing/2014/main" id="{C94B07D7-0FD1-4B67-8ED7-114A328DC60D}"/>
+                </a:ext>
+              </a:extLst>
+            </p:cNvPr>
+            <p:cNvPicPr>
+              <a:picLocks noChangeAspect="1"/>
+            </p:cNvPicPr>
+            <p:nvPr/>
+          </p:nvPicPr>
+          <p:blipFill>
+            <a:blip r:embed="rId2">
+              <a:extLst>
+                <a:ext uri="{28A0092B-C50C-407E-A947-70E740481C1C}">
+                  <a14:useLocalDpi xmlns:a14="http://schemas.microsoft.com/office/drawing/2010/main" val="0"/>
+                </a:ext>
+              </a:extLst>
+            </a:blip>
+            <a:stretch>
+              <a:fillRect/>
+            </a:stretch>
+          </p:blipFill>
+          <p:spPr>
+            <a:xfrm>
+              <a:off x="0" y="0"/>
+              <a:ext cx="9027368" cy="6858000"/>
+            </a:xfrm>
+            <a:prstGeom prst="rect">
+              <a:avLst/>
+            </a:prstGeom>
+          </p:spPr>
+        </p:pic>
+        <p:grpSp>
+          <p:nvGrpSpPr>
+            <p:cNvPr id="9" name="组合 8">
+              <a:extLst>
+                <a:ext uri="{FF2B5EF4-FFF2-40B4-BE49-F238E27FC236}">
+                  <a16:creationId xmlns:a16="http://schemas.microsoft.com/office/drawing/2014/main" id="{3D33A059-6A21-4CF8-AE5F-FA776603A655}"/>
+                </a:ext>
+              </a:extLst>
+            </p:cNvPr>
+            <p:cNvGrpSpPr/>
+            <p:nvPr/>
+          </p:nvGrpSpPr>
+          <p:grpSpPr>
+            <a:xfrm>
+              <a:off x="3021989" y="3036301"/>
+              <a:ext cx="1706232" cy="1719897"/>
+              <a:chOff x="3021989" y="3036301"/>
+              <a:chExt cx="1706232" cy="1719897"/>
+            </a:xfrm>
+            <a:gradFill>
+              <a:gsLst>
+                <a:gs pos="0">
+                  <a:srgbClr val="FF0000"/>
+                </a:gs>
+                <a:gs pos="29000">
+                  <a:schemeClr val="accent2">
+                    <a:lumMod val="60000"/>
+                    <a:lumOff val="40000"/>
+                  </a:schemeClr>
+                </a:gs>
+                <a:gs pos="74000">
+                  <a:schemeClr val="accent1">
+                    <a:lumMod val="30000"/>
+                    <a:lumOff val="70000"/>
+                  </a:schemeClr>
+                </a:gs>
+              </a:gsLst>
+              <a:path path="circle">
+                <a:fillToRect l="50000" t="50000" r="50000" b="50000"/>
+              </a:path>
+            </a:gradFill>
+          </p:grpSpPr>
+          <p:sp>
+            <p:nvSpPr>
+              <p:cNvPr id="3" name="椭圆 2">
+                <a:extLst>
+                  <a:ext uri="{FF2B5EF4-FFF2-40B4-BE49-F238E27FC236}">
+                    <a16:creationId xmlns:a16="http://schemas.microsoft.com/office/drawing/2014/main" id="{95EB93EE-B4C1-4AC4-9786-1A87BA4B0AFA}"/>
+                  </a:ext>
+                </a:extLst>
+              </p:cNvPr>
+              <p:cNvSpPr/>
+              <p:nvPr/>
+            </p:nvSpPr>
+            <p:spPr>
+              <a:xfrm>
+                <a:off x="3225314" y="3036301"/>
+                <a:ext cx="1070699" cy="1070699"/>
+              </a:xfrm>
+              <a:prstGeom prst="ellipse">
+                <a:avLst/>
+              </a:prstGeom>
+              <a:grpFill/>
+              <a:ln>
+                <a:noFill/>
+              </a:ln>
+            </p:spPr>
+            <p:style>
+              <a:lnRef idx="2">
+                <a:schemeClr val="accent1">
+                  <a:shade val="50000"/>
+                </a:schemeClr>
+              </a:lnRef>
+              <a:fillRef idx="1">
+                <a:schemeClr val="accent1"/>
+              </a:fillRef>
+              <a:effectRef idx="0">
+                <a:schemeClr val="accent1"/>
+              </a:effectRef>
+              <a:fontRef idx="minor">
+                <a:schemeClr val="lt1"/>
+              </a:fontRef>
+            </p:style>
+            <p:txBody>
+              <a:bodyPr rtlCol="0" anchor="ctr"/>
+              <a:lstStyle/>
+              <a:p>
+                <a:pPr algn="ctr"/>
+                <a:endParaRPr lang="zh-CN" altLang="en-US"/>
+              </a:p>
+            </p:txBody>
+          </p:sp>
+          <p:sp>
+            <p:nvSpPr>
+              <p:cNvPr id="4" name="椭圆 3">
+                <a:extLst>
+                  <a:ext uri="{FF2B5EF4-FFF2-40B4-BE49-F238E27FC236}">
+                    <a16:creationId xmlns:a16="http://schemas.microsoft.com/office/drawing/2014/main" id="{51D4DCA4-88A1-4DBD-93CA-2C6D9151F3F4}"/>
+                  </a:ext>
+                </a:extLst>
+              </p:cNvPr>
+              <p:cNvSpPr/>
+              <p:nvPr/>
+            </p:nvSpPr>
+            <p:spPr>
+              <a:xfrm>
+                <a:off x="3787450" y="3435042"/>
+                <a:ext cx="940771" cy="940771"/>
+              </a:xfrm>
+              <a:prstGeom prst="ellipse">
+                <a:avLst/>
+              </a:prstGeom>
+              <a:grpFill/>
+              <a:ln>
+                <a:noFill/>
+              </a:ln>
+            </p:spPr>
+            <p:style>
+              <a:lnRef idx="2">
+                <a:schemeClr val="accent1">
+                  <a:shade val="50000"/>
+                </a:schemeClr>
+              </a:lnRef>
+              <a:fillRef idx="1">
+                <a:schemeClr val="accent1"/>
+              </a:fillRef>
+              <a:effectRef idx="0">
+                <a:schemeClr val="accent1"/>
+              </a:effectRef>
+              <a:fontRef idx="minor">
+                <a:schemeClr val="lt1"/>
+              </a:fontRef>
+            </p:style>
+            <p:txBody>
+              <a:bodyPr rtlCol="0" anchor="ctr"/>
+              <a:lstStyle/>
+              <a:p>
+                <a:pPr algn="ctr"/>
+                <a:endParaRPr lang="zh-CN" altLang="en-US"/>
+              </a:p>
+            </p:txBody>
+          </p:sp>
+          <p:sp>
+            <p:nvSpPr>
+              <p:cNvPr id="6" name="椭圆 5">
+                <a:extLst>
+                  <a:ext uri="{FF2B5EF4-FFF2-40B4-BE49-F238E27FC236}">
+                    <a16:creationId xmlns:a16="http://schemas.microsoft.com/office/drawing/2014/main" id="{FBA4A71C-380F-4911-8DB9-F3D775A67B4D}"/>
+                  </a:ext>
+                </a:extLst>
+              </p:cNvPr>
+              <p:cNvSpPr/>
+              <p:nvPr/>
+            </p:nvSpPr>
+            <p:spPr>
+              <a:xfrm>
+                <a:off x="3021989" y="3303596"/>
+                <a:ext cx="1072217" cy="1072217"/>
+              </a:xfrm>
+              <a:prstGeom prst="ellipse">
+                <a:avLst/>
+              </a:prstGeom>
+              <a:grpFill/>
+              <a:ln>
+                <a:noFill/>
+              </a:ln>
+            </p:spPr>
+            <p:style>
+              <a:lnRef idx="2">
+                <a:schemeClr val="accent1">
+                  <a:shade val="50000"/>
+                </a:schemeClr>
+              </a:lnRef>
+              <a:fillRef idx="1">
+                <a:schemeClr val="accent1"/>
+              </a:fillRef>
+              <a:effectRef idx="0">
+                <a:schemeClr val="accent1"/>
+              </a:effectRef>
+              <a:fontRef idx="minor">
+                <a:schemeClr val="lt1"/>
+              </a:fontRef>
+            </p:style>
+            <p:txBody>
+              <a:bodyPr rtlCol="0" anchor="ctr"/>
+              <a:lstStyle/>
+              <a:p>
+                <a:pPr algn="ctr"/>
+                <a:endParaRPr lang="zh-CN" altLang="en-US"/>
+              </a:p>
+            </p:txBody>
+          </p:sp>
+          <p:sp>
+            <p:nvSpPr>
+              <p:cNvPr id="7" name="椭圆 6">
+                <a:extLst>
+                  <a:ext uri="{FF2B5EF4-FFF2-40B4-BE49-F238E27FC236}">
+                    <a16:creationId xmlns:a16="http://schemas.microsoft.com/office/drawing/2014/main" id="{8C811035-2EDA-4300-86E9-0A0620C26703}"/>
+                  </a:ext>
+                </a:extLst>
+              </p:cNvPr>
+              <p:cNvSpPr/>
+              <p:nvPr/>
+            </p:nvSpPr>
+            <p:spPr>
+              <a:xfrm>
+                <a:off x="3585643" y="3839704"/>
+                <a:ext cx="916494" cy="916494"/>
+              </a:xfrm>
+              <a:prstGeom prst="ellipse">
+                <a:avLst/>
+              </a:prstGeom>
+              <a:grpFill/>
+              <a:ln>
+                <a:noFill/>
+              </a:ln>
+            </p:spPr>
+            <p:style>
+              <a:lnRef idx="2">
+                <a:schemeClr val="accent1">
+                  <a:shade val="50000"/>
+                </a:schemeClr>
+              </a:lnRef>
+              <a:fillRef idx="1">
+                <a:schemeClr val="accent1"/>
+              </a:fillRef>
+              <a:effectRef idx="0">
+                <a:schemeClr val="accent1"/>
+              </a:effectRef>
+              <a:fontRef idx="minor">
+                <a:schemeClr val="lt1"/>
+              </a:fontRef>
+            </p:style>
+            <p:txBody>
+              <a:bodyPr rtlCol="0" anchor="ctr"/>
+              <a:lstStyle/>
+              <a:p>
+                <a:pPr algn="ctr"/>
+                <a:endParaRPr lang="zh-CN" altLang="en-US"/>
+              </a:p>
+            </p:txBody>
+          </p:sp>
+          <p:sp>
+            <p:nvSpPr>
+              <p:cNvPr id="8" name="椭圆 7">
+                <a:extLst>
+                  <a:ext uri="{FF2B5EF4-FFF2-40B4-BE49-F238E27FC236}">
+                    <a16:creationId xmlns:a16="http://schemas.microsoft.com/office/drawing/2014/main" id="{FE9F8C1A-9F54-4485-A8BC-33012CFD5423}"/>
+                  </a:ext>
+                </a:extLst>
+              </p:cNvPr>
+              <p:cNvSpPr/>
+              <p:nvPr/>
+            </p:nvSpPr>
+            <p:spPr>
+              <a:xfrm>
+                <a:off x="3118880" y="4029760"/>
+                <a:ext cx="719629" cy="719629"/>
+              </a:xfrm>
+              <a:prstGeom prst="ellipse">
+                <a:avLst/>
+              </a:prstGeom>
+              <a:grpFill/>
+              <a:ln>
+                <a:noFill/>
+              </a:ln>
+            </p:spPr>
+            <p:style>
+              <a:lnRef idx="2">
+                <a:schemeClr val="accent1">
+                  <a:shade val="50000"/>
+                </a:schemeClr>
+              </a:lnRef>
+              <a:fillRef idx="1">
+                <a:schemeClr val="accent1"/>
+              </a:fillRef>
+              <a:effectRef idx="0">
+                <a:schemeClr val="accent1"/>
+              </a:effectRef>
+              <a:fontRef idx="minor">
+                <a:schemeClr val="lt1"/>
+              </a:fontRef>
+            </p:style>
+            <p:txBody>
+              <a:bodyPr rtlCol="0" anchor="ctr"/>
+              <a:lstStyle/>
+              <a:p>
+                <a:pPr algn="ctr"/>
+                <a:endParaRPr lang="zh-CN" altLang="en-US"/>
+              </a:p>
+            </p:txBody>
+          </p:sp>
+        </p:grpSp>
+        <p:sp>
+          <p:nvSpPr>
+            <p:cNvPr id="10" name="椭圆 9">
+              <a:extLst>
+                <a:ext uri="{FF2B5EF4-FFF2-40B4-BE49-F238E27FC236}">
+                  <a16:creationId xmlns:a16="http://schemas.microsoft.com/office/drawing/2014/main" id="{AE895221-33C7-4FEA-8F7E-1955DAAD852E}"/>
+                </a:ext>
+              </a:extLst>
+            </p:cNvPr>
+            <p:cNvSpPr/>
+            <p:nvPr/>
+          </p:nvSpPr>
+          <p:spPr>
+            <a:xfrm>
+              <a:off x="3177366" y="4618073"/>
+              <a:ext cx="116958" cy="116958"/>
+            </a:xfrm>
+            <a:prstGeom prst="ellipse">
+              <a:avLst/>
+            </a:prstGeom>
+            <a:solidFill>
+              <a:srgbClr val="FF0000">
+                <a:alpha val="67000"/>
+              </a:srgbClr>
+            </a:solidFill>
+            <a:ln>
+              <a:noFill/>
+            </a:ln>
+          </p:spPr>
+          <p:style>
+            <a:lnRef idx="2">
+              <a:schemeClr val="accent1">
+                <a:shade val="50000"/>
+              </a:schemeClr>
+            </a:lnRef>
+            <a:fillRef idx="1">
+              <a:schemeClr val="accent1"/>
+            </a:fillRef>
+            <a:effectRef idx="0">
+              <a:schemeClr val="accent1"/>
+            </a:effectRef>
+            <a:fontRef idx="minor">
+              <a:schemeClr val="lt1"/>
+            </a:fontRef>
+          </p:style>
+          <p:txBody>
+            <a:bodyPr rtlCol="0" anchor="ctr"/>
+            <a:lstStyle/>
+            <a:p>
+              <a:pPr algn="ctr"/>
+              <a:endParaRPr lang="zh-CN" altLang="en-US"/>
+            </a:p>
+          </p:txBody>
+        </p:sp>
+        <p:sp>
+          <p:nvSpPr>
+            <p:cNvPr id="11" name="椭圆 10">
+              <a:extLst>
+                <a:ext uri="{FF2B5EF4-FFF2-40B4-BE49-F238E27FC236}">
+                  <a16:creationId xmlns:a16="http://schemas.microsoft.com/office/drawing/2014/main" id="{1BC417A8-3E25-454F-9F58-62858AFA48CA}"/>
+                </a:ext>
+              </a:extLst>
+            </p:cNvPr>
+            <p:cNvSpPr/>
+            <p:nvPr/>
+          </p:nvSpPr>
+          <p:spPr>
+            <a:xfrm>
+              <a:off x="2936363" y="3685954"/>
+              <a:ext cx="116958" cy="116958"/>
+            </a:xfrm>
+            <a:prstGeom prst="ellipse">
+              <a:avLst/>
+            </a:prstGeom>
+            <a:solidFill>
+              <a:srgbClr val="FF0000">
+                <a:alpha val="67000"/>
+              </a:srgbClr>
+            </a:solidFill>
+            <a:ln>
+              <a:noFill/>
+            </a:ln>
+          </p:spPr>
+          <p:style>
+            <a:lnRef idx="2">
+              <a:schemeClr val="accent1">
+                <a:shade val="50000"/>
+              </a:schemeClr>
+            </a:lnRef>
+            <a:fillRef idx="1">
+              <a:schemeClr val="accent1"/>
+            </a:fillRef>
+            <a:effectRef idx="0">
+              <a:schemeClr val="accent1"/>
+            </a:effectRef>
+            <a:fontRef idx="minor">
+              <a:schemeClr val="lt1"/>
+            </a:fontRef>
+          </p:style>
+          <p:txBody>
+            <a:bodyPr rtlCol="0" anchor="ctr"/>
+            <a:lstStyle/>
+            <a:p>
+              <a:pPr algn="ctr"/>
+              <a:endParaRPr lang="zh-CN" altLang="en-US"/>
+            </a:p>
+          </p:txBody>
+        </p:sp>
+        <p:sp>
+          <p:nvSpPr>
+            <p:cNvPr id="12" name="椭圆 11">
+              <a:extLst>
+                <a:ext uri="{FF2B5EF4-FFF2-40B4-BE49-F238E27FC236}">
+                  <a16:creationId xmlns:a16="http://schemas.microsoft.com/office/drawing/2014/main" id="{CD24822A-3F19-474C-A9C9-1BF4F32849C5}"/>
+                </a:ext>
+              </a:extLst>
+            </p:cNvPr>
+            <p:cNvSpPr/>
+            <p:nvPr/>
+          </p:nvSpPr>
+          <p:spPr>
+            <a:xfrm>
+              <a:off x="4088220" y="3136600"/>
+              <a:ext cx="116958" cy="116958"/>
+            </a:xfrm>
+            <a:prstGeom prst="ellipse">
+              <a:avLst/>
+            </a:prstGeom>
+            <a:solidFill>
+              <a:srgbClr val="FF0000">
+                <a:alpha val="67000"/>
+              </a:srgbClr>
+            </a:solidFill>
+            <a:ln>
+              <a:noFill/>
+            </a:ln>
+          </p:spPr>
+          <p:style>
+            <a:lnRef idx="2">
+              <a:schemeClr val="accent1">
+                <a:shade val="50000"/>
+              </a:schemeClr>
+            </a:lnRef>
+            <a:fillRef idx="1">
+              <a:schemeClr val="accent1"/>
+            </a:fillRef>
+            <a:effectRef idx="0">
+              <a:schemeClr val="accent1"/>
+            </a:effectRef>
+            <a:fontRef idx="minor">
+              <a:schemeClr val="lt1"/>
+            </a:fontRef>
+          </p:style>
+          <p:txBody>
+            <a:bodyPr rtlCol="0" anchor="ctr"/>
+            <a:lstStyle/>
+            <a:p>
+              <a:pPr algn="ctr"/>
+              <a:endParaRPr lang="zh-CN" altLang="en-US"/>
+            </a:p>
+          </p:txBody>
+        </p:sp>
+        <p:sp>
+          <p:nvSpPr>
+            <p:cNvPr id="13" name="椭圆 12">
+              <a:extLst>
+                <a:ext uri="{FF2B5EF4-FFF2-40B4-BE49-F238E27FC236}">
+                  <a16:creationId xmlns:a16="http://schemas.microsoft.com/office/drawing/2014/main" id="{D30860B7-65A4-4511-A921-77D6C3A6497D}"/>
+                </a:ext>
+              </a:extLst>
+            </p:cNvPr>
+            <p:cNvSpPr/>
+            <p:nvPr/>
+          </p:nvSpPr>
+          <p:spPr>
+            <a:xfrm>
+              <a:off x="3687727" y="3012552"/>
+              <a:ext cx="116958" cy="116958"/>
+            </a:xfrm>
+            <a:prstGeom prst="ellipse">
+              <a:avLst/>
+            </a:prstGeom>
+            <a:solidFill>
+              <a:srgbClr val="FF0000">
+                <a:alpha val="67000"/>
+              </a:srgbClr>
+            </a:solidFill>
+            <a:ln>
+              <a:noFill/>
+            </a:ln>
+          </p:spPr>
+          <p:style>
+            <a:lnRef idx="2">
+              <a:schemeClr val="accent1">
+                <a:shade val="50000"/>
+              </a:schemeClr>
+            </a:lnRef>
+            <a:fillRef idx="1">
+              <a:schemeClr val="accent1"/>
+            </a:fillRef>
+            <a:effectRef idx="0">
+              <a:schemeClr val="accent1"/>
+            </a:effectRef>
+            <a:fontRef idx="minor">
+              <a:schemeClr val="lt1"/>
+            </a:fontRef>
+          </p:style>
+          <p:txBody>
+            <a:bodyPr rtlCol="0" anchor="ctr"/>
+            <a:lstStyle/>
+            <a:p>
+              <a:pPr algn="ctr"/>
+              <a:endParaRPr lang="zh-CN" altLang="en-US"/>
+            </a:p>
+          </p:txBody>
+        </p:sp>
+        <p:sp>
+          <p:nvSpPr>
+            <p:cNvPr id="14" name="椭圆 13">
+              <a:extLst>
+                <a:ext uri="{FF2B5EF4-FFF2-40B4-BE49-F238E27FC236}">
+                  <a16:creationId xmlns:a16="http://schemas.microsoft.com/office/drawing/2014/main" id="{21ECA20B-A0F4-41D8-9E12-8A8AEE5ABECC}"/>
+                </a:ext>
+              </a:extLst>
+            </p:cNvPr>
+            <p:cNvSpPr/>
+            <p:nvPr/>
+          </p:nvSpPr>
+          <p:spPr>
+            <a:xfrm>
+              <a:off x="4690733" y="3834807"/>
+              <a:ext cx="116958" cy="116958"/>
+            </a:xfrm>
+            <a:prstGeom prst="ellipse">
+              <a:avLst/>
+            </a:prstGeom>
+            <a:solidFill>
+              <a:srgbClr val="FF0000">
+                <a:alpha val="67000"/>
+              </a:srgbClr>
+            </a:solidFill>
+            <a:ln>
+              <a:noFill/>
+            </a:ln>
+          </p:spPr>
+          <p:style>
+            <a:lnRef idx="2">
+              <a:schemeClr val="accent1">
+                <a:shade val="50000"/>
+              </a:schemeClr>
+            </a:lnRef>
+            <a:fillRef idx="1">
+              <a:schemeClr val="accent1"/>
+            </a:fillRef>
+            <a:effectRef idx="0">
+              <a:schemeClr val="accent1"/>
+            </a:effectRef>
+            <a:fontRef idx="minor">
+              <a:schemeClr val="lt1"/>
+            </a:fontRef>
+          </p:style>
+          <p:txBody>
+            <a:bodyPr rtlCol="0" anchor="ctr"/>
+            <a:lstStyle/>
+            <a:p>
+              <a:pPr algn="ctr"/>
+              <a:endParaRPr lang="zh-CN" altLang="en-US"/>
+            </a:p>
+          </p:txBody>
+        </p:sp>
+        <p:sp>
+          <p:nvSpPr>
+            <p:cNvPr id="15" name="椭圆 14">
+              <a:extLst>
+                <a:ext uri="{FF2B5EF4-FFF2-40B4-BE49-F238E27FC236}">
+                  <a16:creationId xmlns:a16="http://schemas.microsoft.com/office/drawing/2014/main" id="{BB3F7A7E-9152-4213-AD6E-EC483752AE94}"/>
+                </a:ext>
+              </a:extLst>
+            </p:cNvPr>
+            <p:cNvSpPr/>
+            <p:nvPr/>
+          </p:nvSpPr>
+          <p:spPr>
+            <a:xfrm>
+              <a:off x="4183913" y="4625164"/>
+              <a:ext cx="116958" cy="116958"/>
+            </a:xfrm>
+            <a:prstGeom prst="ellipse">
+              <a:avLst/>
+            </a:prstGeom>
+            <a:solidFill>
+              <a:srgbClr val="FF0000">
+                <a:alpha val="67000"/>
+              </a:srgbClr>
+            </a:solidFill>
+            <a:ln>
+              <a:noFill/>
+            </a:ln>
+          </p:spPr>
+          <p:style>
+            <a:lnRef idx="2">
+              <a:schemeClr val="accent1">
+                <a:shade val="50000"/>
+              </a:schemeClr>
+            </a:lnRef>
+            <a:fillRef idx="1">
+              <a:schemeClr val="accent1"/>
+            </a:fillRef>
+            <a:effectRef idx="0">
+              <a:schemeClr val="accent1"/>
+            </a:effectRef>
+            <a:fontRef idx="minor">
+              <a:schemeClr val="lt1"/>
+            </a:fontRef>
+          </p:style>
+          <p:txBody>
+            <a:bodyPr rtlCol="0" anchor="ctr"/>
+            <a:lstStyle/>
+            <a:p>
+              <a:pPr algn="ctr"/>
+              <a:endParaRPr lang="zh-CN" altLang="en-US"/>
+            </a:p>
+          </p:txBody>
+        </p:sp>
+      </p:grpSp>
+    </p:spTree>
+    <p:extLst>
+      <p:ext uri="{BB962C8B-B14F-4D97-AF65-F5344CB8AC3E}">
+        <p14:creationId xmlns:p14="http://schemas.microsoft.com/office/powerpoint/2010/main" val="3554858781"/>
+      </p:ext>
+    </p:extLst>
+  </p:cSld>
+  <p:clrMapOvr>
+    <a:masterClrMapping/>
+  </p:clrMapOvr>
+</p:sld>
+</file>
+
+<file path=ppt/slides/slide5.xml><?xml version="1.0" encoding="utf-8"?>
+<p:sld xmlns:a="http://schemas.openxmlformats.org/drawingml/2006/main" xmlns:r="http://schemas.openxmlformats.org/officeDocument/2006/relationships" xmlns:p="http://schemas.openxmlformats.org/presentationml/2006/main">
+  <p:cSld>
+    <p:spTree>
+      <p:nvGrpSpPr>
+        <p:cNvPr id="1" name=""/>
+        <p:cNvGrpSpPr/>
+        <p:nvPr/>
+      </p:nvGrpSpPr>
+      <p:grpSpPr>
+        <a:xfrm>
+          <a:off x="0" y="0"/>
+          <a:ext cx="0" cy="0"/>
+          <a:chOff x="0" y="0"/>
+          <a:chExt cx="0" cy="0"/>
+        </a:xfrm>
+      </p:grpSpPr>
+      <p:grpSp>
+        <p:nvGrpSpPr>
+          <p:cNvPr id="12" name="组合 11">
+            <a:extLst>
+              <a:ext uri="{FF2B5EF4-FFF2-40B4-BE49-F238E27FC236}">
+                <a16:creationId xmlns:a16="http://schemas.microsoft.com/office/drawing/2014/main" id="{CE86AAA9-AF56-4DA6-B9D5-F202287D8F6B}"/>
+              </a:ext>
+            </a:extLst>
+          </p:cNvPr>
+          <p:cNvGrpSpPr/>
+          <p:nvPr/>
+        </p:nvGrpSpPr>
+        <p:grpSpPr>
+          <a:xfrm>
+            <a:off x="0" y="0"/>
+            <a:ext cx="9027368" cy="6858000"/>
+            <a:chOff x="0" y="0"/>
+            <a:chExt cx="9027368" cy="6858000"/>
+          </a:xfrm>
+        </p:grpSpPr>
+        <p:pic>
+          <p:nvPicPr>
+            <p:cNvPr id="2" name="图片 1" descr="屏幕剪辑">
+              <a:extLst>
+                <a:ext uri="{FF2B5EF4-FFF2-40B4-BE49-F238E27FC236}">
+                  <a16:creationId xmlns:a16="http://schemas.microsoft.com/office/drawing/2014/main" id="{271FA314-FF66-4372-B5D9-365F1ECAD70C}"/>
+                </a:ext>
+              </a:extLst>
+            </p:cNvPr>
+            <p:cNvPicPr>
+              <a:picLocks noChangeAspect="1"/>
+            </p:cNvPicPr>
+            <p:nvPr/>
+          </p:nvPicPr>
+          <p:blipFill>
+            <a:blip r:embed="rId2">
+              <a:extLst>
+                <a:ext uri="{28A0092B-C50C-407E-A947-70E740481C1C}">
+                  <a14:useLocalDpi xmlns:a14="http://schemas.microsoft.com/office/drawing/2010/main" val="0"/>
+                </a:ext>
+              </a:extLst>
+            </a:blip>
+            <a:stretch>
+              <a:fillRect/>
+            </a:stretch>
+          </p:blipFill>
+          <p:spPr>
+            <a:xfrm>
+              <a:off x="0" y="0"/>
+              <a:ext cx="9027368" cy="6858000"/>
+            </a:xfrm>
+            <a:prstGeom prst="rect">
+              <a:avLst/>
+            </a:prstGeom>
+          </p:spPr>
+        </p:pic>
+        <p:grpSp>
+          <p:nvGrpSpPr>
+            <p:cNvPr id="7" name="组合 6">
+              <a:extLst>
+                <a:ext uri="{FF2B5EF4-FFF2-40B4-BE49-F238E27FC236}">
+                  <a16:creationId xmlns:a16="http://schemas.microsoft.com/office/drawing/2014/main" id="{217DA8EC-F6BA-4FA1-B087-E9D311B6C1D8}"/>
+                </a:ext>
+              </a:extLst>
+            </p:cNvPr>
+            <p:cNvGrpSpPr/>
+            <p:nvPr/>
+          </p:nvGrpSpPr>
+          <p:grpSpPr>
+            <a:xfrm>
+              <a:off x="3849983" y="3086611"/>
+              <a:ext cx="2072351" cy="1878631"/>
+              <a:chOff x="3849983" y="3086611"/>
+              <a:chExt cx="2072351" cy="1878631"/>
+            </a:xfrm>
+            <a:gradFill>
+              <a:gsLst>
+                <a:gs pos="0">
+                  <a:srgbClr val="FF0000"/>
+                </a:gs>
+                <a:gs pos="29000">
+                  <a:schemeClr val="accent2">
+                    <a:lumMod val="60000"/>
+                    <a:lumOff val="40000"/>
+                  </a:schemeClr>
+                </a:gs>
+                <a:gs pos="74000">
+                  <a:schemeClr val="accent1">
+                    <a:lumMod val="30000"/>
+                    <a:lumOff val="70000"/>
+                  </a:schemeClr>
+                </a:gs>
+              </a:gsLst>
+              <a:path path="circle">
+                <a:fillToRect l="50000" t="50000" r="50000" b="50000"/>
+              </a:path>
+            </a:gradFill>
+          </p:grpSpPr>
+          <p:sp>
+            <p:nvSpPr>
+              <p:cNvPr id="3" name="椭圆 2">
+                <a:extLst>
+                  <a:ext uri="{FF2B5EF4-FFF2-40B4-BE49-F238E27FC236}">
+                    <a16:creationId xmlns:a16="http://schemas.microsoft.com/office/drawing/2014/main" id="{0BD2AFAD-886A-43DD-A722-D2C153461421}"/>
+                  </a:ext>
+                </a:extLst>
+              </p:cNvPr>
+              <p:cNvSpPr/>
+              <p:nvPr/>
+            </p:nvSpPr>
+            <p:spPr>
+              <a:xfrm>
+                <a:off x="3849983" y="3567479"/>
+                <a:ext cx="1072217" cy="1072217"/>
+              </a:xfrm>
+              <a:prstGeom prst="ellipse">
+                <a:avLst/>
+              </a:prstGeom>
+              <a:grpFill/>
+              <a:ln>
+                <a:noFill/>
+              </a:ln>
+            </p:spPr>
+            <p:style>
+              <a:lnRef idx="2">
+                <a:schemeClr val="accent1">
+                  <a:shade val="50000"/>
+                </a:schemeClr>
+              </a:lnRef>
+              <a:fillRef idx="1">
+                <a:schemeClr val="accent1"/>
+              </a:fillRef>
+              <a:effectRef idx="0">
+                <a:schemeClr val="accent1"/>
+              </a:effectRef>
+              <a:fontRef idx="minor">
+                <a:schemeClr val="lt1"/>
+              </a:fontRef>
+            </p:style>
+            <p:txBody>
+              <a:bodyPr rtlCol="0" anchor="ctr"/>
+              <a:lstStyle/>
+              <a:p>
+                <a:pPr algn="ctr"/>
+                <a:endParaRPr lang="zh-CN" altLang="en-US"/>
+              </a:p>
+            </p:txBody>
+          </p:sp>
+          <p:sp>
+            <p:nvSpPr>
+              <p:cNvPr id="4" name="椭圆 3">
+                <a:extLst>
+                  <a:ext uri="{FF2B5EF4-FFF2-40B4-BE49-F238E27FC236}">
+                    <a16:creationId xmlns:a16="http://schemas.microsoft.com/office/drawing/2014/main" id="{6F789B7E-1ACE-42FE-AC61-5A3B71226EED}"/>
+                  </a:ext>
+                </a:extLst>
+              </p:cNvPr>
+              <p:cNvSpPr/>
+              <p:nvPr/>
+            </p:nvSpPr>
+            <p:spPr>
+              <a:xfrm>
+                <a:off x="4386092" y="3429000"/>
+                <a:ext cx="1536242" cy="1536242"/>
+              </a:xfrm>
+              <a:prstGeom prst="ellipse">
+                <a:avLst/>
+              </a:prstGeom>
+              <a:grpFill/>
+              <a:ln>
+                <a:noFill/>
+              </a:ln>
+            </p:spPr>
+            <p:style>
+              <a:lnRef idx="2">
+                <a:schemeClr val="accent1">
+                  <a:shade val="50000"/>
+                </a:schemeClr>
+              </a:lnRef>
+              <a:fillRef idx="1">
+                <a:schemeClr val="accent1"/>
+              </a:fillRef>
+              <a:effectRef idx="0">
+                <a:schemeClr val="accent1"/>
+              </a:effectRef>
+              <a:fontRef idx="minor">
+                <a:schemeClr val="lt1"/>
+              </a:fontRef>
+            </p:style>
+            <p:txBody>
+              <a:bodyPr rtlCol="0" anchor="ctr"/>
+              <a:lstStyle/>
+              <a:p>
+                <a:pPr algn="ctr"/>
+                <a:endParaRPr lang="zh-CN" altLang="en-US"/>
+              </a:p>
+            </p:txBody>
+          </p:sp>
+          <p:sp>
+            <p:nvSpPr>
+              <p:cNvPr id="5" name="椭圆 4">
+                <a:extLst>
+                  <a:ext uri="{FF2B5EF4-FFF2-40B4-BE49-F238E27FC236}">
+                    <a16:creationId xmlns:a16="http://schemas.microsoft.com/office/drawing/2014/main" id="{9A1B313B-9D3C-4A44-B7A1-7BC0E1BB367A}"/>
+                  </a:ext>
+                </a:extLst>
+              </p:cNvPr>
+              <p:cNvSpPr/>
+              <p:nvPr/>
+            </p:nvSpPr>
+            <p:spPr>
+              <a:xfrm>
+                <a:off x="4274289" y="3086611"/>
+                <a:ext cx="961736" cy="961736"/>
+              </a:xfrm>
+              <a:prstGeom prst="ellipse">
+                <a:avLst/>
+              </a:prstGeom>
+              <a:grpFill/>
+              <a:ln>
+                <a:noFill/>
+              </a:ln>
+            </p:spPr>
+            <p:style>
+              <a:lnRef idx="2">
+                <a:schemeClr val="accent1">
+                  <a:shade val="50000"/>
+                </a:schemeClr>
+              </a:lnRef>
+              <a:fillRef idx="1">
+                <a:schemeClr val="accent1"/>
+              </a:fillRef>
+              <a:effectRef idx="0">
+                <a:schemeClr val="accent1"/>
+              </a:effectRef>
+              <a:fontRef idx="minor">
+                <a:schemeClr val="lt1"/>
+              </a:fontRef>
+            </p:style>
+            <p:txBody>
+              <a:bodyPr rtlCol="0" anchor="ctr"/>
+              <a:lstStyle/>
+              <a:p>
+                <a:pPr algn="ctr"/>
+                <a:endParaRPr lang="zh-CN" altLang="en-US"/>
+              </a:p>
+            </p:txBody>
+          </p:sp>
+        </p:grpSp>
+        <p:sp>
+          <p:nvSpPr>
+            <p:cNvPr id="8" name="椭圆 7">
+              <a:extLst>
+                <a:ext uri="{FF2B5EF4-FFF2-40B4-BE49-F238E27FC236}">
+                  <a16:creationId xmlns:a16="http://schemas.microsoft.com/office/drawing/2014/main" id="{F0A86CE7-8AF9-4240-8985-C29419C8E31B}"/>
+                </a:ext>
+              </a:extLst>
+            </p:cNvPr>
+            <p:cNvSpPr/>
+            <p:nvPr/>
+          </p:nvSpPr>
+          <p:spPr>
+            <a:xfrm>
+              <a:off x="5300330" y="4880339"/>
+              <a:ext cx="116958" cy="116958"/>
+            </a:xfrm>
+            <a:prstGeom prst="ellipse">
+              <a:avLst/>
+            </a:prstGeom>
+            <a:solidFill>
+              <a:srgbClr val="FF0000">
+                <a:alpha val="67000"/>
+              </a:srgbClr>
+            </a:solidFill>
+            <a:ln>
+              <a:noFill/>
+            </a:ln>
+          </p:spPr>
+          <p:style>
+            <a:lnRef idx="2">
+              <a:schemeClr val="accent1">
+                <a:shade val="50000"/>
+              </a:schemeClr>
+            </a:lnRef>
+            <a:fillRef idx="1">
+              <a:schemeClr val="accent1"/>
+            </a:fillRef>
+            <a:effectRef idx="0">
+              <a:schemeClr val="accent1"/>
+            </a:effectRef>
+            <a:fontRef idx="minor">
+              <a:schemeClr val="lt1"/>
+            </a:fontRef>
+          </p:style>
+          <p:txBody>
+            <a:bodyPr rtlCol="0" anchor="ctr"/>
+            <a:lstStyle/>
+            <a:p>
+              <a:pPr algn="ctr"/>
+              <a:endParaRPr lang="zh-CN" altLang="en-US"/>
+            </a:p>
+          </p:txBody>
+        </p:sp>
+        <p:sp>
+          <p:nvSpPr>
+            <p:cNvPr id="9" name="椭圆 8">
+              <a:extLst>
+                <a:ext uri="{FF2B5EF4-FFF2-40B4-BE49-F238E27FC236}">
+                  <a16:creationId xmlns:a16="http://schemas.microsoft.com/office/drawing/2014/main" id="{A20E0145-67C8-446F-84A9-D847B9D412BE}"/>
+                </a:ext>
+              </a:extLst>
+            </p:cNvPr>
+            <p:cNvSpPr/>
+            <p:nvPr/>
+          </p:nvSpPr>
+          <p:spPr>
+            <a:xfrm>
+              <a:off x="5803605" y="3799368"/>
+              <a:ext cx="116958" cy="116958"/>
+            </a:xfrm>
+            <a:prstGeom prst="ellipse">
+              <a:avLst/>
+            </a:prstGeom>
+            <a:solidFill>
+              <a:srgbClr val="FF0000">
+                <a:alpha val="67000"/>
+              </a:srgbClr>
+            </a:solidFill>
+            <a:ln>
+              <a:noFill/>
+            </a:ln>
+          </p:spPr>
+          <p:style>
+            <a:lnRef idx="2">
+              <a:schemeClr val="accent1">
+                <a:shade val="50000"/>
+              </a:schemeClr>
+            </a:lnRef>
+            <a:fillRef idx="1">
+              <a:schemeClr val="accent1"/>
+            </a:fillRef>
+            <a:effectRef idx="0">
+              <a:schemeClr val="accent1"/>
+            </a:effectRef>
+            <a:fontRef idx="minor">
+              <a:schemeClr val="lt1"/>
+            </a:fontRef>
+          </p:style>
+          <p:txBody>
+            <a:bodyPr rtlCol="0" anchor="ctr"/>
+            <a:lstStyle/>
+            <a:p>
+              <a:pPr algn="ctr"/>
+              <a:endParaRPr lang="zh-CN" altLang="en-US"/>
+            </a:p>
+          </p:txBody>
+        </p:sp>
+        <p:sp>
+          <p:nvSpPr>
+            <p:cNvPr id="10" name="椭圆 9">
+              <a:extLst>
+                <a:ext uri="{FF2B5EF4-FFF2-40B4-BE49-F238E27FC236}">
+                  <a16:creationId xmlns:a16="http://schemas.microsoft.com/office/drawing/2014/main" id="{1B1BED66-E4DC-477E-AD99-BF4F2D6CAFA0}"/>
+                </a:ext>
+              </a:extLst>
+            </p:cNvPr>
+            <p:cNvSpPr/>
+            <p:nvPr/>
+          </p:nvSpPr>
+          <p:spPr>
+            <a:xfrm>
+              <a:off x="3797598" y="4132516"/>
+              <a:ext cx="116958" cy="116958"/>
+            </a:xfrm>
+            <a:prstGeom prst="ellipse">
+              <a:avLst/>
+            </a:prstGeom>
+            <a:solidFill>
+              <a:srgbClr val="FF0000">
+                <a:alpha val="67000"/>
+              </a:srgbClr>
+            </a:solidFill>
+            <a:ln>
+              <a:noFill/>
+            </a:ln>
+          </p:spPr>
+          <p:style>
+            <a:lnRef idx="2">
+              <a:schemeClr val="accent1">
+                <a:shade val="50000"/>
+              </a:schemeClr>
+            </a:lnRef>
+            <a:fillRef idx="1">
+              <a:schemeClr val="accent1"/>
+            </a:fillRef>
+            <a:effectRef idx="0">
+              <a:schemeClr val="accent1"/>
+            </a:effectRef>
+            <a:fontRef idx="minor">
+              <a:schemeClr val="lt1"/>
+            </a:fontRef>
+          </p:style>
+          <p:txBody>
+            <a:bodyPr rtlCol="0" anchor="ctr"/>
+            <a:lstStyle/>
+            <a:p>
+              <a:pPr algn="ctr"/>
+              <a:endParaRPr lang="zh-CN" altLang="en-US"/>
+            </a:p>
+          </p:txBody>
+        </p:sp>
+        <p:sp>
+          <p:nvSpPr>
+            <p:cNvPr id="11" name="椭圆 10">
+              <a:extLst>
+                <a:ext uri="{FF2B5EF4-FFF2-40B4-BE49-F238E27FC236}">
+                  <a16:creationId xmlns:a16="http://schemas.microsoft.com/office/drawing/2014/main" id="{471F4581-5ADB-4B4E-B8B9-D586FF10B4EA}"/>
+                </a:ext>
+              </a:extLst>
+            </p:cNvPr>
+            <p:cNvSpPr/>
+            <p:nvPr/>
+          </p:nvSpPr>
+          <p:spPr>
+            <a:xfrm>
+              <a:off x="4651747" y="3009009"/>
+              <a:ext cx="116958" cy="116958"/>
+            </a:xfrm>
+            <a:prstGeom prst="ellipse">
+              <a:avLst/>
+            </a:prstGeom>
+            <a:solidFill>
+              <a:srgbClr val="FF0000">
+                <a:alpha val="67000"/>
+              </a:srgbClr>
+            </a:solidFill>
+            <a:ln>
+              <a:noFill/>
+            </a:ln>
+          </p:spPr>
+          <p:style>
+            <a:lnRef idx="2">
+              <a:schemeClr val="accent1">
+                <a:shade val="50000"/>
+              </a:schemeClr>
+            </a:lnRef>
+            <a:fillRef idx="1">
+              <a:schemeClr val="accent1"/>
+            </a:fillRef>
+            <a:effectRef idx="0">
+              <a:schemeClr val="accent1"/>
+            </a:effectRef>
+            <a:fontRef idx="minor">
+              <a:schemeClr val="lt1"/>
+            </a:fontRef>
+          </p:style>
+          <p:txBody>
+            <a:bodyPr rtlCol="0" anchor="ctr"/>
+            <a:lstStyle/>
+            <a:p>
+              <a:pPr algn="ctr"/>
+              <a:endParaRPr lang="zh-CN" altLang="en-US"/>
+            </a:p>
+          </p:txBody>
+        </p:sp>
+      </p:grpSp>
+    </p:spTree>
+    <p:extLst>
+      <p:ext uri="{BB962C8B-B14F-4D97-AF65-F5344CB8AC3E}">
+        <p14:creationId xmlns:p14="http://schemas.microsoft.com/office/powerpoint/2010/main" val="1045765828"/>
+      </p:ext>
+    </p:extLst>
+  </p:cSld>
+  <p:clrMapOvr>
+    <a:masterClrMapping/>
+  </p:clrMapOvr>
+</p:sld>
+</file>
+
+<file path=ppt/slides/slide6.xml><?xml version="1.0" encoding="utf-8"?>
+<p:sld xmlns:a="http://schemas.openxmlformats.org/drawingml/2006/main" xmlns:r="http://schemas.openxmlformats.org/officeDocument/2006/relationships" xmlns:p="http://schemas.openxmlformats.org/presentationml/2006/main">
+  <p:cSld>
+    <p:spTree>
+      <p:nvGrpSpPr>
+        <p:cNvPr id="1" name=""/>
+        <p:cNvGrpSpPr/>
+        <p:nvPr/>
+      </p:nvGrpSpPr>
+      <p:grpSpPr>
+        <a:xfrm>
+          <a:off x="0" y="0"/>
+          <a:ext cx="0" cy="0"/>
+          <a:chOff x="0" y="0"/>
+          <a:chExt cx="0" cy="0"/>
+        </a:xfrm>
+      </p:grpSpPr>
+    </p:spTree>
+    <p:extLst>
+      <p:ext uri="{BB962C8B-B14F-4D97-AF65-F5344CB8AC3E}">
+        <p14:creationId xmlns:p14="http://schemas.microsoft.com/office/powerpoint/2010/main" val="1534188506"/>
+      </p:ext>
+    </p:extLst>
+  </p:cSld>
+  <p:clrMapOvr>
+    <a:masterClrMapping/>
+  </p:clrMapOvr>
+</p:sld>
+</file>
+
+<file path=ppt/slides/slide7.xml><?xml version="1.0" encoding="utf-8"?>
+<p:sld xmlns:a="http://schemas.openxmlformats.org/drawingml/2006/main" xmlns:r="http://schemas.openxmlformats.org/officeDocument/2006/relationships" xmlns:p="http://schemas.openxmlformats.org/presentationml/2006/main">
+  <p:cSld>
+    <p:spTree>
+      <p:nvGrpSpPr>
+        <p:cNvPr id="1" name=""/>
+        <p:cNvGrpSpPr/>
+        <p:nvPr/>
+      </p:nvGrpSpPr>
+      <p:grpSpPr>
+        <a:xfrm>
+          <a:off x="0" y="0"/>
+          <a:ext cx="0" cy="0"/>
+          <a:chOff x="0" y="0"/>
+          <a:chExt cx="0" cy="0"/>
+        </a:xfrm>
+      </p:grpSpPr>
+    </p:spTree>
+    <p:extLst>
+      <p:ext uri="{BB962C8B-B14F-4D97-AF65-F5344CB8AC3E}">
+        <p14:creationId xmlns:p14="http://schemas.microsoft.com/office/powerpoint/2010/main" val="2338616646"/>
+      </p:ext>
+    </p:extLst>
+  </p:cSld>
+  <p:clrMapOvr>
+    <a:masterClrMapping/>
+  </p:clrMapOvr>
+</p:sld>
+</file>
+
+<file path=ppt/slides/slide8.xml><?xml version="1.0" encoding="utf-8"?>
+<p:sld xmlns:a="http://schemas.openxmlformats.org/drawingml/2006/main" xmlns:r="http://schemas.openxmlformats.org/officeDocument/2006/relationships" xmlns:p="http://schemas.openxmlformats.org/presentationml/2006/main">
+  <p:cSld>
+    <p:spTree>
+      <p:nvGrpSpPr>
+        <p:cNvPr id="1" name=""/>
+        <p:cNvGrpSpPr/>
+        <p:nvPr/>
+      </p:nvGrpSpPr>
+      <p:grpSpPr>
+        <a:xfrm>
+          <a:off x="0" y="0"/>
+          <a:ext cx="0" cy="0"/>
+          <a:chOff x="0" y="0"/>
+          <a:chExt cx="0" cy="0"/>
+        </a:xfrm>
+      </p:grpSpPr>
+    </p:spTree>
+    <p:extLst>
+      <p:ext uri="{BB962C8B-B14F-4D97-AF65-F5344CB8AC3E}">
+        <p14:creationId xmlns:p14="http://schemas.microsoft.com/office/powerpoint/2010/main" val="1149876376"/>
+      </p:ext>
+    </p:extLst>
+  </p:cSld>
+  <p:clrMapOvr>
+    <a:masterClrMapping/>
+  </p:clrMapOvr>
+</p:sld>
+</file>
+
+<file path=ppt/slides/slide9.xml><?xml version="1.0" encoding="utf-8"?>
+<p:sld xmlns:a="http://schemas.openxmlformats.org/drawingml/2006/main" xmlns:r="http://schemas.openxmlformats.org/officeDocument/2006/relationships" xmlns:p="http://schemas.openxmlformats.org/presentationml/2006/main">
+  <p:cSld>
+    <p:spTree>
+      <p:nvGrpSpPr>
+        <p:cNvPr id="1" name=""/>
+        <p:cNvGrpSpPr/>
+        <p:nvPr/>
+      </p:nvGrpSpPr>
+      <p:grpSpPr>
+        <a:xfrm>
+          <a:off x="0" y="0"/>
+          <a:ext cx="0" cy="0"/>
+          <a:chOff x="0" y="0"/>
+          <a:chExt cx="0" cy="0"/>
+        </a:xfrm>
+      </p:grpSpPr>
+    </p:spTree>
+    <p:extLst>
+      <p:ext uri="{BB962C8B-B14F-4D97-AF65-F5344CB8AC3E}">
+        <p14:creationId xmlns:p14="http://schemas.microsoft.com/office/powerpoint/2010/main" val="1895223903"/>
+      </p:ext>
+    </p:extLst>
+  </p:cSld>
+  <p:clrMapOvr>
+    <a:masterClrMapping/>
+  </p:clrMapOvr>
+</p:sld>
+</file>
+
 <file path=ppt/theme/theme1.xml><?xml version="1.0" encoding="utf-8"?>
 <a:theme xmlns:a="http://schemas.openxmlformats.org/drawingml/2006/main" name="Office 主题​​">
   <a:themeElements>
